--- a/questionare_output.pptx
+++ b/questionare_output.pptx
@@ -125,7 +125,7 @@
 </file>
 
 <file path=ppt/charts/chart1.xml><?xml version="1.0" encoding="utf-8"?>
-<c:chartSpace xmlns:c="http://schemas.openxmlformats.org/drawingml/2006/chart" xmlns:a="http://schemas.openxmlformats.org/drawingml/2006/main" xmlns:r="http://schemas.openxmlformats.org/officeDocument/2006/relationships" xmlns:c16r2="http://schemas.microsoft.com/office/drawing/2015/06/chart">
+<c:chartSpace xmlns:c="http://schemas.openxmlformats.org/drawingml/2006/chart" xmlns:a="http://schemas.openxmlformats.org/drawingml/2006/main" xmlns:c16r2="http://schemas.microsoft.com/office/drawing/2015/06/chart" xmlns:r="http://schemas.openxmlformats.org/officeDocument/2006/relationships">
   <c:date1904 val="0"/>
   <c:lang val="tr-TR"/>
   <c:roundedCorners val="0"/>
@@ -451,40 +451,42 @@
             </c:strRef>
           </c:cat>
           <c:val>
-            <c:numLit>
-              <c:formatCode>"£"#,##0</c:formatCode>
-              <c:ptCount val="10"/>
-              <c:pt idx="0">
-                <c:v>154461</c:v>
-              </c:pt>
-              <c:pt idx="1">
-                <c:v>15453</c:v>
-              </c:pt>
-              <c:pt idx="2">
-                <c:v>26400</c:v>
-              </c:pt>
-              <c:pt idx="3">
-                <c:v>3853</c:v>
-              </c:pt>
-              <c:pt idx="4">
-                <c:v>3017</c:v>
-              </c:pt>
-              <c:pt idx="5">
-                <c:v>925349</c:v>
-              </c:pt>
-              <c:pt idx="6">
-                <c:v>14344</c:v>
-              </c:pt>
-              <c:pt idx="7">
-                <c:v>454393</c:v>
-              </c:pt>
-              <c:pt idx="8">
-                <c:v>1210</c:v>
-              </c:pt>
-              <c:pt idx="9">
-                <c:v>1223748</c:v>
-              </c:pt>
-            </c:numLit>
+            <c:numRef>
+              <c:numCache>
+                <c:formatCode>"£"#,##0</c:formatCode>
+                <c:ptCount val="10"/>
+                <c:pt idx="0">
+                  <c:v>646815</c:v>
+                </c:pt>
+                <c:pt idx="1">
+                  <c:v/>
+                </c:pt>
+                <c:pt idx="2">
+                  <c:v/>
+                </c:pt>
+                <c:pt idx="3">
+                  <c:v/>
+                </c:pt>
+                <c:pt idx="4">
+                  <c:v/>
+                </c:pt>
+                <c:pt idx="5">
+                  <c:v/>
+                </c:pt>
+                <c:pt idx="6">
+                  <c:v/>
+                </c:pt>
+                <c:pt idx="7">
+                  <c:v/>
+                </c:pt>
+                <c:pt idx="8">
+                  <c:v/>
+                </c:pt>
+                <c:pt idx="9">
+                  <c:v/>
+                </c:pt>
+              </c:numCache>
+            </c:numRef>
           </c:val>
           <c:extLst>
             <c:ext xmlns:c16="http://schemas.microsoft.com/office/drawing/2014/chart" uri="{C3380CC4-5D6E-409C-BE32-E72D297353CC}">
@@ -1199,7 +1201,7 @@
           <a:p>
             <a:fld id="{22EE6207-6821-4DAB-B818-E4F4F6AB12F5}" type="datetimeFigureOut">
               <a:rPr lang="en-GB" smtClean="0"/>
-              <a:t>03/10/2024</a:t>
+              <a:t>04/10/2024</a:t>
             </a:fld>
             <a:endParaRPr lang="en-GB"/>
           </a:p>
@@ -1392,7 +1394,7 @@
           <a:p>
             <a:fld id="{5B936EE0-4F6D-274D-8902-95CDFEF84C8C}" type="datetimeFigureOut">
               <a:rPr lang="en-US" smtClean="0"/>
-              <a:t>10/3/2024</a:t>
+              <a:t>10/4/2024</a:t>
             </a:fld>
             <a:endParaRPr lang="en-US"/>
           </a:p>
@@ -2032,7 +2034,7 @@
           <a:p>
             <a:fld id="{98FAEBFC-AF3F-6E47-9766-48C2D7B36252}" type="datetime1">
               <a:rPr lang="en-GB" smtClean="0"/>
-              <a:t>03/10/2024</a:t>
+              <a:t>04/10/2024</a:t>
             </a:fld>
             <a:endParaRPr lang="en-GB"/>
           </a:p>
@@ -2347,7 +2349,7 @@
           <a:p>
             <a:fld id="{C7EFF3D0-6BED-D444-BEB4-872DDA21BA8D}" type="datetime1">
               <a:rPr lang="en-GB" smtClean="0"/>
-              <a:t>03/10/2024</a:t>
+              <a:t>04/10/2024</a:t>
             </a:fld>
             <a:endParaRPr lang="en-US"/>
           </a:p>
@@ -3465,7 +3467,7 @@
           <a:p>
             <a:fld id="{C7EFF3D0-6BED-D444-BEB4-872DDA21BA8D}" type="datetime1">
               <a:rPr lang="en-GB" smtClean="0"/>
-              <a:t>03/10/2024</a:t>
+              <a:t>04/10/2024</a:t>
             </a:fld>
             <a:endParaRPr lang="en-US"/>
           </a:p>
@@ -3932,7 +3934,7 @@
           <a:p>
             <a:fld id="{C7EFF3D0-6BED-D444-BEB4-872DDA21BA8D}" type="datetime1">
               <a:rPr lang="en-GB" smtClean="0"/>
-              <a:t>03/10/2024</a:t>
+              <a:t>04/10/2024</a:t>
             </a:fld>
             <a:endParaRPr lang="en-US"/>
           </a:p>
@@ -4583,7 +4585,7 @@
           <a:p>
             <a:fld id="{C7EFF3D0-6BED-D444-BEB4-872DDA21BA8D}" type="datetime1">
               <a:rPr lang="en-GB" smtClean="0"/>
-              <a:t>03/10/2024</a:t>
+              <a:t>04/10/2024</a:t>
             </a:fld>
             <a:endParaRPr lang="en-US"/>
           </a:p>
@@ -4994,7 +4996,7 @@
           <a:p>
             <a:fld id="{C7EFF3D0-6BED-D444-BEB4-872DDA21BA8D}" type="datetime1">
               <a:rPr lang="en-GB" smtClean="0"/>
-              <a:t>03/10/2024</a:t>
+              <a:t>04/10/2024</a:t>
             </a:fld>
             <a:endParaRPr lang="en-US"/>
           </a:p>
@@ -5495,7 +5497,7 @@
           <a:p>
             <a:fld id="{C7EFF3D0-6BED-D444-BEB4-872DDA21BA8D}" type="datetime1">
               <a:rPr lang="en-GB" smtClean="0"/>
-              <a:t>03/10/2024</a:t>
+              <a:t>04/10/2024</a:t>
             </a:fld>
             <a:endParaRPr lang="en-US"/>
           </a:p>
@@ -6225,7 +6227,7 @@
           <a:p>
             <a:fld id="{C7EFF3D0-6BED-D444-BEB4-872DDA21BA8D}" type="datetime1">
               <a:rPr lang="en-GB" smtClean="0"/>
-              <a:t>03/10/2024</a:t>
+              <a:t>04/10/2024</a:t>
             </a:fld>
             <a:endParaRPr lang="en-US"/>
           </a:p>
@@ -7051,7 +7053,7 @@
           <a:p>
             <a:fld id="{C7EFF3D0-6BED-D444-BEB4-872DDA21BA8D}" type="datetime1">
               <a:rPr lang="en-GB" smtClean="0"/>
-              <a:t>03/10/2024</a:t>
+              <a:t>04/10/2024</a:t>
             </a:fld>
             <a:endParaRPr lang="en-US"/>
           </a:p>
@@ -9074,7 +9076,7 @@
           <a:p>
             <a:fld id="{C7EFF3D0-6BED-D444-BEB4-872DDA21BA8D}" type="datetime1">
               <a:rPr lang="en-GB" smtClean="0"/>
-              <a:t>03/10/2024</a:t>
+              <a:t>04/10/2024</a:t>
             </a:fld>
             <a:endParaRPr lang="en-US"/>
           </a:p>
@@ -9700,7 +9702,7 @@
           <a:p>
             <a:fld id="{C7EFF3D0-6BED-D444-BEB4-872DDA21BA8D}" type="datetime1">
               <a:rPr lang="en-GB" smtClean="0"/>
-              <a:t>03/10/2024</a:t>
+              <a:t>04/10/2024</a:t>
             </a:fld>
             <a:endParaRPr lang="en-US"/>
           </a:p>
@@ -10673,7 +10675,7 @@
           <a:p>
             <a:fld id="{98FAEBFC-AF3F-6E47-9766-48C2D7B36252}" type="datetime1">
               <a:rPr lang="en-GB" smtClean="0"/>
-              <a:t>03/10/2024</a:t>
+              <a:t>04/10/2024</a:t>
             </a:fld>
             <a:endParaRPr lang="en-GB"/>
           </a:p>
@@ -11392,7 +11394,7 @@
           <a:p>
             <a:fld id="{C7EFF3D0-6BED-D444-BEB4-872DDA21BA8D}" type="datetime1">
               <a:rPr lang="en-GB" smtClean="0"/>
-              <a:t>03/10/2024</a:t>
+              <a:t>04/10/2024</a:t>
             </a:fld>
             <a:endParaRPr lang="en-US"/>
           </a:p>
@@ -12212,7 +12214,7 @@
           <a:p>
             <a:fld id="{C7EFF3D0-6BED-D444-BEB4-872DDA21BA8D}" type="datetime1">
               <a:rPr lang="en-GB" smtClean="0"/>
-              <a:t>03/10/2024</a:t>
+              <a:t>04/10/2024</a:t>
             </a:fld>
             <a:endParaRPr lang="en-US"/>
           </a:p>
@@ -13011,7 +13013,7 @@
           <a:p>
             <a:fld id="{C7EFF3D0-6BED-D444-BEB4-872DDA21BA8D}" type="datetime1">
               <a:rPr lang="en-GB" smtClean="0"/>
-              <a:t>03/10/2024</a:t>
+              <a:t>04/10/2024</a:t>
             </a:fld>
             <a:endParaRPr lang="en-US"/>
           </a:p>
@@ -13778,7 +13780,7 @@
           <a:p>
             <a:fld id="{C7EFF3D0-6BED-D444-BEB4-872DDA21BA8D}" type="datetime1">
               <a:rPr lang="en-GB" smtClean="0"/>
-              <a:t>03/10/2024</a:t>
+              <a:t>04/10/2024</a:t>
             </a:fld>
             <a:endParaRPr lang="en-US"/>
           </a:p>
@@ -14345,7 +14347,7 @@
           <a:p>
             <a:fld id="{C7EFF3D0-6BED-D444-BEB4-872DDA21BA8D}" type="datetime1">
               <a:rPr lang="en-GB" smtClean="0"/>
-              <a:t>03/10/2024</a:t>
+              <a:t>04/10/2024</a:t>
             </a:fld>
             <a:endParaRPr lang="en-US"/>
           </a:p>
@@ -14909,7 +14911,7 @@
           <a:p>
             <a:fld id="{C7EFF3D0-6BED-D444-BEB4-872DDA21BA8D}" type="datetime1">
               <a:rPr lang="en-GB" smtClean="0"/>
-              <a:t>03/10/2024</a:t>
+              <a:t>04/10/2024</a:t>
             </a:fld>
             <a:endParaRPr lang="en-US"/>
           </a:p>
@@ -15520,7 +15522,7 @@
           <a:p>
             <a:fld id="{C7EFF3D0-6BED-D444-BEB4-872DDA21BA8D}" type="datetime1">
               <a:rPr lang="en-GB" smtClean="0"/>
-              <a:t>03/10/2024</a:t>
+              <a:t>04/10/2024</a:t>
             </a:fld>
             <a:endParaRPr lang="en-US"/>
           </a:p>
@@ -16256,7 +16258,7 @@
           <a:p>
             <a:fld id="{C7EFF3D0-6BED-D444-BEB4-872DDA21BA8D}" type="datetime1">
               <a:rPr lang="en-GB" smtClean="0"/>
-              <a:t>03/10/2024</a:t>
+              <a:t>04/10/2024</a:t>
             </a:fld>
             <a:endParaRPr lang="en-US"/>
           </a:p>
@@ -16627,7 +16629,7 @@
           <a:p>
             <a:fld id="{C7EFF3D0-6BED-D444-BEB4-872DDA21BA8D}" type="datetime1">
               <a:rPr lang="en-GB" smtClean="0"/>
-              <a:t>03/10/2024</a:t>
+              <a:t>04/10/2024</a:t>
             </a:fld>
             <a:endParaRPr lang="en-US"/>
           </a:p>
@@ -17027,7 +17029,7 @@
           <a:p>
             <a:fld id="{C7EFF3D0-6BED-D444-BEB4-872DDA21BA8D}" type="datetime1">
               <a:rPr lang="en-GB" smtClean="0"/>
-              <a:t>03/10/2024</a:t>
+              <a:t>04/10/2024</a:t>
             </a:fld>
             <a:endParaRPr lang="en-US"/>
           </a:p>
@@ -18025,7 +18027,7 @@
           <a:p>
             <a:fld id="{98FAEBFC-AF3F-6E47-9766-48C2D7B36252}" type="datetime1">
               <a:rPr lang="en-GB" smtClean="0"/>
-              <a:t>03/10/2024</a:t>
+              <a:t>04/10/2024</a:t>
             </a:fld>
             <a:endParaRPr lang="en-GB"/>
           </a:p>
@@ -18579,7 +18581,7 @@
           <a:p>
             <a:fld id="{C7EFF3D0-6BED-D444-BEB4-872DDA21BA8D}" type="datetime1">
               <a:rPr lang="en-GB" smtClean="0"/>
-              <a:t>03/10/2024</a:t>
+              <a:t>04/10/2024</a:t>
             </a:fld>
             <a:endParaRPr lang="en-US"/>
           </a:p>
@@ -19321,7 +19323,7 @@
           <a:p>
             <a:fld id="{C7EFF3D0-6BED-D444-BEB4-872DDA21BA8D}" type="datetime1">
               <a:rPr lang="en-GB" smtClean="0"/>
-              <a:t>03/10/2024</a:t>
+              <a:t>04/10/2024</a:t>
             </a:fld>
             <a:endParaRPr lang="en-US"/>
           </a:p>
@@ -20264,7 +20266,7 @@
           <a:p>
             <a:fld id="{C7EFF3D0-6BED-D444-BEB4-872DDA21BA8D}" type="datetime1">
               <a:rPr lang="en-GB" smtClean="0"/>
-              <a:t>03/10/2024</a:t>
+              <a:t>04/10/2024</a:t>
             </a:fld>
             <a:endParaRPr lang="en-US"/>
           </a:p>
@@ -20820,7 +20822,7 @@
           <a:p>
             <a:fld id="{C7EFF3D0-6BED-D444-BEB4-872DDA21BA8D}" type="datetime1">
               <a:rPr lang="en-GB" smtClean="0"/>
-              <a:t>03/10/2024</a:t>
+              <a:t>04/10/2024</a:t>
             </a:fld>
             <a:endParaRPr lang="en-US"/>
           </a:p>
@@ -21370,7 +21372,7 @@
           <a:p>
             <a:fld id="{C7EFF3D0-6BED-D444-BEB4-872DDA21BA8D}" type="datetime1">
               <a:rPr lang="en-GB" smtClean="0"/>
-              <a:t>03/10/2024</a:t>
+              <a:t>04/10/2024</a:t>
             </a:fld>
             <a:endParaRPr lang="en-US"/>
           </a:p>
@@ -22155,7 +22157,7 @@
           <a:p>
             <a:fld id="{C7EFF3D0-6BED-D444-BEB4-872DDA21BA8D}" type="datetime1">
               <a:rPr lang="en-GB" smtClean="0"/>
-              <a:t>03/10/2024</a:t>
+              <a:t>04/10/2024</a:t>
             </a:fld>
             <a:endParaRPr lang="en-US"/>
           </a:p>
@@ -22919,7 +22921,7 @@
           <a:p>
             <a:fld id="{C7EFF3D0-6BED-D444-BEB4-872DDA21BA8D}" type="datetime1">
               <a:rPr lang="en-GB" smtClean="0"/>
-              <a:t>03/10/2024</a:t>
+              <a:t>04/10/2024</a:t>
             </a:fld>
             <a:endParaRPr lang="en-US"/>
           </a:p>
@@ -23635,7 +23637,7 @@
           <a:p>
             <a:fld id="{C7EFF3D0-6BED-D444-BEB4-872DDA21BA8D}" type="datetime1">
               <a:rPr lang="en-GB" smtClean="0"/>
-              <a:t>03/10/2024</a:t>
+              <a:t>04/10/2024</a:t>
             </a:fld>
             <a:endParaRPr lang="en-US"/>
           </a:p>
@@ -24034,7 +24036,7 @@
           <a:p>
             <a:fld id="{C7EFF3D0-6BED-D444-BEB4-872DDA21BA8D}" type="datetime1">
               <a:rPr lang="en-GB" smtClean="0"/>
-              <a:t>03/10/2024</a:t>
+              <a:t>04/10/2024</a:t>
             </a:fld>
             <a:endParaRPr lang="en-US"/>
           </a:p>
@@ -24346,7 +24348,7 @@
           <a:p>
             <a:fld id="{C7EFF3D0-6BED-D444-BEB4-872DDA21BA8D}" type="datetime1">
               <a:rPr lang="en-GB" smtClean="0"/>
-              <a:t>03/10/2024</a:t>
+              <a:t>04/10/2024</a:t>
             </a:fld>
             <a:endParaRPr lang="en-US"/>
           </a:p>
@@ -24816,7 +24818,7 @@
           <a:p>
             <a:fld id="{D3ECCBB8-735C-914B-8E67-7852CBBDF7EA}" type="datetime1">
               <a:rPr lang="en-GB" smtClean="0"/>
-              <a:t>03/10/2024</a:t>
+              <a:t>04/10/2024</a:t>
             </a:fld>
             <a:endParaRPr lang="en-GB"/>
           </a:p>
@@ -25502,7 +25504,7 @@
           <a:p>
             <a:fld id="{C7EFF3D0-6BED-D444-BEB4-872DDA21BA8D}" type="datetime1">
               <a:rPr lang="en-GB" smtClean="0"/>
-              <a:t>03/10/2024</a:t>
+              <a:t>04/10/2024</a:t>
             </a:fld>
             <a:endParaRPr lang="en-US"/>
           </a:p>
@@ -25775,7 +25777,7 @@
           <a:p>
             <a:fld id="{C7EFF3D0-6BED-D444-BEB4-872DDA21BA8D}" type="datetime1">
               <a:rPr lang="en-GB" smtClean="0"/>
-              <a:t>03/10/2024</a:t>
+              <a:t>04/10/2024</a:t>
             </a:fld>
             <a:endParaRPr lang="en-US"/>
           </a:p>
@@ -26040,7 +26042,7 @@
           <a:p>
             <a:fld id="{C7EFF3D0-6BED-D444-BEB4-872DDA21BA8D}" type="datetime1">
               <a:rPr lang="en-GB" smtClean="0"/>
-              <a:t>03/10/2024</a:t>
+              <a:t>04/10/2024</a:t>
             </a:fld>
             <a:endParaRPr lang="en-US"/>
           </a:p>
@@ -26432,7 +26434,7 @@
           <a:p>
             <a:fld id="{C7EFF3D0-6BED-D444-BEB4-872DDA21BA8D}" type="datetime1">
               <a:rPr lang="en-GB" smtClean="0"/>
-              <a:t>03/10/2024</a:t>
+              <a:t>04/10/2024</a:t>
             </a:fld>
             <a:endParaRPr lang="en-US"/>
           </a:p>
@@ -26824,7 +26826,7 @@
           <a:p>
             <a:fld id="{C7EFF3D0-6BED-D444-BEB4-872DDA21BA8D}" type="datetime1">
               <a:rPr lang="en-GB" smtClean="0"/>
-              <a:t>03/10/2024</a:t>
+              <a:t>04/10/2024</a:t>
             </a:fld>
             <a:endParaRPr lang="en-US"/>
           </a:p>
@@ -27705,7 +27707,7 @@
           <a:p>
             <a:fld id="{C7EFF3D0-6BED-D444-BEB4-872DDA21BA8D}" type="datetime1">
               <a:rPr lang="en-GB" smtClean="0"/>
-              <a:t>03/10/2024</a:t>
+              <a:t>04/10/2024</a:t>
             </a:fld>
             <a:endParaRPr lang="en-US"/>
           </a:p>
@@ -27866,7 +27868,7 @@
           <a:p>
             <a:fld id="{C7EFF3D0-6BED-D444-BEB4-872DDA21BA8D}" type="datetime1">
               <a:rPr lang="en-GB" smtClean="0"/>
-              <a:t>03/10/2024</a:t>
+              <a:t>04/10/2024</a:t>
             </a:fld>
             <a:endParaRPr lang="en-US"/>
           </a:p>
@@ -28623,7 +28625,7 @@
           <a:p>
             <a:fld id="{C7EFF3D0-6BED-D444-BEB4-872DDA21BA8D}" type="datetime1">
               <a:rPr lang="en-GB" smtClean="0"/>
-              <a:t>03/10/2024</a:t>
+              <a:t>04/10/2024</a:t>
             </a:fld>
             <a:endParaRPr lang="en-US"/>
           </a:p>
@@ -28909,7 +28911,7 @@
           <a:p>
             <a:fld id="{C7EFF3D0-6BED-D444-BEB4-872DDA21BA8D}" type="datetime1">
               <a:rPr lang="en-GB" smtClean="0"/>
-              <a:t>03/10/2024</a:t>
+              <a:t>04/10/2024</a:t>
             </a:fld>
             <a:endParaRPr lang="en-US"/>
           </a:p>
@@ -29675,7 +29677,7 @@
           <a:p>
             <a:fld id="{C7EFF3D0-6BED-D444-BEB4-872DDA21BA8D}" type="datetime1">
               <a:rPr lang="en-GB" smtClean="0"/>
-              <a:t>03/10/2024</a:t>
+              <a:t>04/10/2024</a:t>
             </a:fld>
             <a:endParaRPr lang="en-US"/>
           </a:p>
@@ -30598,7 +30600,7 @@
           <a:p>
             <a:fld id="{D3ECCBB8-735C-914B-8E67-7852CBBDF7EA}" type="datetime1">
               <a:rPr lang="en-GB" smtClean="0"/>
-              <a:t>03/10/2024</a:t>
+              <a:t>04/10/2024</a:t>
             </a:fld>
             <a:endParaRPr lang="en-GB"/>
           </a:p>
@@ -31536,7 +31538,7 @@
           <a:p>
             <a:fld id="{D3ECCBB8-735C-914B-8E67-7852CBBDF7EA}" type="datetime1">
               <a:rPr lang="en-GB" smtClean="0"/>
-              <a:t>03/10/2024</a:t>
+              <a:t>04/10/2024</a:t>
             </a:fld>
             <a:endParaRPr lang="en-GB"/>
           </a:p>
@@ -32482,7 +32484,7 @@
           <a:p>
             <a:fld id="{D3ECCBB8-735C-914B-8E67-7852CBBDF7EA}" type="datetime1">
               <a:rPr lang="en-GB" smtClean="0"/>
-              <a:t>03/10/2024</a:t>
+              <a:t>04/10/2024</a:t>
             </a:fld>
             <a:endParaRPr lang="en-GB"/>
           </a:p>
@@ -33193,7 +33195,7 @@
           <a:p>
             <a:fld id="{C7EFF3D0-6BED-D444-BEB4-872DDA21BA8D}" type="datetime1">
               <a:rPr lang="en-GB" smtClean="0"/>
-              <a:t>03/10/2024</a:t>
+              <a:t>04/10/2024</a:t>
             </a:fld>
             <a:endParaRPr lang="en-US"/>
           </a:p>
@@ -35197,7 +35199,7 @@
           <a:p>
             <a:fld id="{C7EFF3D0-6BED-D444-BEB4-872DDA21BA8D}" type="datetime1">
               <a:rPr lang="en-GB" smtClean="0"/>
-              <a:t>03/10/2024</a:t>
+              <a:t>04/10/2024</a:t>
             </a:fld>
             <a:endParaRPr lang="en-US"/>
           </a:p>
@@ -38302,7 +38304,7 @@
           <a:p>
             <a:fld id="{D63005AE-A14B-7B48-9AF5-01E333747121}" type="datetime1">
               <a:rPr lang="en-GB" smtClean="0"/>
-              <a:t>03/10/2024</a:t>
+              <a:t>04/10/2024</a:t>
             </a:fld>
             <a:endParaRPr lang="en-GB"/>
           </a:p>
@@ -38977,7 +38979,7 @@
               <ns1:rPr lang="tr-TR" dirty="0" err="1">
                 <ns1:latin typeface="Montserrat SemiBold"/>
               </ns1:rPr>
-              <ns1:t>Digiblue</ns1:t>
+              <ns1:t>murat</ns1:t>
             </ns1:r>
             <ns1:r>
               <ns1:rPr lang="en-US" dirty="0">
@@ -39479,7 +39481,7 @@
         </ns0:nvSpPr>
         <ns0:spPr>
           <ns1:xfrm>
-            <ns1:off x="5857356" y="5658551"/>
+            <ns1:off x="5835308" y="5644487"/>
             <ns1:ext cx="5306349" cy="388773"/>
           </ns1:xfrm>
           <ns1:prstGeom prst="rect">
@@ -39722,17 +39724,7 @@
                 <ns1:effectLst/>
                 <ns1:latin typeface="Open Sans" panose="020B0606030504020204" pitchFamily="34" charset="0"/>
               </ns1:rPr>
-              <ns1:t>You selected two periods between which to run a value review. these were : </ns1:t>
-            </ns1:r>
-            <ns1:r>
-              <ns1:rPr lang="tr-TR" sz="900" b="0" i="0" dirty="0">
-                <ns1:solidFill>
-                  <ns1:srgbClr val="555555"/>
-                </ns1:solidFill>
-                <ns1:effectLst/>
-                <ns1:latin typeface="Open Sans" panose="020B0606030504020204" pitchFamily="34" charset="0"/>
-              </ns1:rPr>
-              <ns1:t>Prior to implementation, 6 months after go live</ns1:t>
+              <ns1:t>These are projected Value Savings for a full year, calculated based on the figures you have provided. We will be reviewing the data with you on an ongoing basis</ns1:t>
             </ns1:r>
             <ns1:endParaRPr lang="en-GB" sz="1000" dirty="0">
               <ns1:solidFill>
@@ -39763,7 +39755,7 @@
           <ns0:nvPr>
             <ns0:extLst>
               <ns0:ext uri="{D42A27DB-BD31-4B8C-83A1-F6EECF244321}">
-                <ns3:modId val="181631679"/>
+                <ns3:modId val="2795410839"/>
               </ns0:ext>
             </ns0:extLst>
           </ns0:nvPr>
@@ -39883,9 +39875,9 @@
         <ns0:grpSpPr>
           <ns1:xfrm>
             <ns1:off x="5849286" y="2088443"/>
-            <ns1:ext cx="5271366" cy="260780"/>
+            <ns1:ext cx="5271367" cy="260780"/>
             <ns1:chOff x="5701173" y="1914766"/>
-            <ns1:chExt cx="5271366" cy="424070"/>
+            <ns1:chExt cx="5271367" cy="424070"/>
           </ns1:xfrm>
         </ns0:grpSpPr>
         <ns0:sp>
@@ -39972,18 +39964,6 @@
             <ns1:lstStyle/>
             <ns1:p>
               <ns1:pPr algn="l" fontAlgn="ctr"/>
-              <ns1:r>
-                <ns1:rPr lang="tr-TR" sz="1000" dirty="0">
-                  <ns1:solidFill>
-                    <ns1:schemeClr val="tx1">
-                      <ns1:lumMod val="50000"/>
-                      <ns1:lumOff val="50000"/>
-                    </ns1:schemeClr>
-                  </ns1:solidFill>
-                  <ns1:latin typeface="Open Sans" panose="020B0606030504020204" pitchFamily="34" charset="0"/>
-                </ns1:rPr>
-                <ns1:t>£</ns1:t>
-              </ns1:r>
               <ns1:endParaRPr lang="en-GB" sz="1000" b="0" i="0" u="none" strike="noStrike" dirty="0">
                 <ns1:solidFill>
                   <ns1:schemeClr val="tx1">
@@ -40011,8 +39991,8 @@
           </ns0:nvSpPr>
           <ns0:spPr>
             <ns1:xfrm>
-              <ns1:off x="10108153" y="1914766"/>
-              <ns1:ext cx="864386" cy="400395"/>
+              <ns1:off x="9492577" y="1914766"/>
+              <ns1:ext cx="1479963" cy="400395"/>
             </ns1:xfrm>
             <ns1:prstGeom prst="rect">
               <ns1:avLst/>
@@ -40025,7 +40005,19 @@
             </ns1:bodyPr>
             <ns1:lstStyle/>
             <ns1:p>
-              <ns1:pPr algn="r" fontAlgn="ctr"/>
+              <ns1:pPr fontAlgn="ctr"/>
+              <ns1:r>
+                <ns1:rPr lang="tr-TR" sz="1000" b="1" dirty="0">
+                  <ns1:solidFill>
+                    <ns1:schemeClr val="tx1">
+                      <ns1:lumMod val="50000"/>
+                      <ns1:lumOff val="50000"/>
+                    </ns1:schemeClr>
+                  </ns1:solidFill>
+                  <ns1:latin typeface="Open Sans" panose="020B0606030504020204" pitchFamily="34" charset="0"/>
+                </ns1:rPr>
+                <ns1:t>£</ns1:t>
+              </ns1:r>
               <ns1:r>
                 <ns1:rPr lang="tr-TR" sz="1000" b="1" i="0" u="none" strike="noStrike" dirty="0" err="1">
                   <ns1:solidFill>
@@ -40037,7 +40029,7 @@
                   <ns1:effectLst/>
                   <ns1:latin typeface="Open Sans" panose="020B0606030504020204" pitchFamily="34" charset="0"/>
                 </ns1:rPr>
-                <ns1:t>1,210</ns1:t>
+                <ns1:t>0</ns1:t>
               </ns1:r>
               <ns1:endParaRPr lang="en-GB" sz="1000" b="1" i="0" u="none" strike="noStrike" dirty="0">
                 <ns1:solidFill>
@@ -40193,18 +40185,6 @@
             <ns1:lstStyle/>
             <ns1:p>
               <ns1:pPr algn="l" fontAlgn="ctr"/>
-              <ns1:r>
-                <ns1:rPr lang="tr-TR" sz="1000" dirty="0">
-                  <ns1:solidFill>
-                    <ns1:schemeClr val="tx1">
-                      <ns1:lumMod val="50000"/>
-                      <ns1:lumOff val="50000"/>
-                    </ns1:schemeClr>
-                  </ns1:solidFill>
-                  <ns1:latin typeface="Open Sans" panose="020B0606030504020204" pitchFamily="34" charset="0"/>
-                </ns1:rPr>
-                <ns1:t>£</ns1:t>
-              </ns1:r>
               <ns1:endParaRPr lang="en-GB" sz="1000" b="0" i="0" u="none" strike="noStrike" dirty="0">
                 <ns1:solidFill>
                   <ns1:schemeClr val="tx1">
@@ -40232,8 +40212,8 @@
           </ns0:nvSpPr>
           <ns0:spPr>
             <ns1:xfrm>
-              <ns1:off x="10108153" y="1914766"/>
-              <ns1:ext cx="864386" cy="286992"/>
+              <ns1:off x="9484506" y="1914766"/>
+              <ns1:ext cx="1488033" cy="286992"/>
             </ns1:xfrm>
             <ns1:prstGeom prst="rect">
               <ns1:avLst/>
@@ -40246,7 +40226,19 @@
             </ns1:bodyPr>
             <ns1:lstStyle/>
             <ns1:p>
-              <ns1:pPr algn="r" fontAlgn="ctr"/>
+              <ns1:pPr fontAlgn="ctr"/>
+              <ns1:r>
+                <ns1:rPr lang="tr-TR" sz="1000" b="1" dirty="0">
+                  <ns1:solidFill>
+                    <ns1:schemeClr val="tx1">
+                      <ns1:lumMod val="50000"/>
+                      <ns1:lumOff val="50000"/>
+                    </ns1:schemeClr>
+                  </ns1:solidFill>
+                  <ns1:latin typeface="Open Sans" panose="020B0606030504020204" pitchFamily="34" charset="0"/>
+                </ns1:rPr>
+                <ns1:t>£</ns1:t>
+              </ns1:r>
               <ns1:r>
                 <ns1:rPr lang="tr-TR" sz="1000" b="1" i="0" u="none" strike="noStrike" dirty="0" err="1">
                   <ns1:solidFill>
@@ -40258,7 +40250,7 @@
                   <ns1:effectLst/>
                   <ns1:latin typeface="Open Sans" panose="020B0606030504020204" pitchFamily="34" charset="0"/>
                 </ns1:rPr>
-                <ns1:t>154,461</ns1:t>
+                <ns1:t>646,815</ns1:t>
               </ns1:r>
               <ns1:endParaRPr lang="en-GB" sz="1000" b="1" i="0" u="none" strike="noStrike" dirty="0">
                 <ns1:solidFill>
@@ -40289,9 +40281,9 @@
         <ns0:grpSpPr>
           <ns1:xfrm>
             <ns1:off x="5848090" y="2615582"/>
-            <ns1:ext cx="5271366" cy="419307"/>
+            <ns1:ext cx="5271367" cy="419307"/>
             <ns1:chOff x="5701173" y="1914766"/>
-            <ns1:chExt cx="5271366" cy="517125"/>
+            <ns1:chExt cx="5271367" cy="517125"/>
           </ns1:xfrm>
         </ns0:grpSpPr>
         <ns0:sp>
@@ -40378,18 +40370,6 @@
             <ns1:lstStyle/>
             <ns1:p>
               <ns1:pPr algn="l" fontAlgn="ctr"/>
-              <ns1:r>
-                <ns1:rPr lang="tr-TR" sz="1000" dirty="0">
-                  <ns1:solidFill>
-                    <ns1:schemeClr val="tx1">
-                      <ns1:lumMod val="50000"/>
-                      <ns1:lumOff val="50000"/>
-                    </ns1:schemeClr>
-                  </ns1:solidFill>
-                  <ns1:latin typeface="Open Sans" panose="020B0606030504020204" pitchFamily="34" charset="0"/>
-                </ns1:rPr>
-                <ns1:t>£</ns1:t>
-              </ns1:r>
               <ns1:endParaRPr lang="en-GB" sz="1000" b="0" i="0" u="none" strike="noStrike" dirty="0">
                 <ns1:solidFill>
                   <ns1:schemeClr val="tx1">
@@ -40417,8 +40397,8 @@
           </ns0:nvSpPr>
           <ns0:spPr>
             <ns1:xfrm>
-              <ns1:off x="10108153" y="1914766"/>
-              <ns1:ext cx="864386" cy="303661"/>
+              <ns1:off x="9484506" y="1914766"/>
+              <ns1:ext cx="1488034" cy="303661"/>
             </ns1:xfrm>
             <ns1:prstGeom prst="rect">
               <ns1:avLst/>
@@ -40431,7 +40411,19 @@
             </ns1:bodyPr>
             <ns1:lstStyle/>
             <ns1:p>
-              <ns1:pPr algn="r" fontAlgn="ctr"/>
+              <ns1:pPr fontAlgn="ctr"/>
+              <ns1:r>
+                <ns1:rPr lang="tr-TR" sz="1000" b="1" dirty="0">
+                  <ns1:solidFill>
+                    <ns1:schemeClr val="tx1">
+                      <ns1:lumMod val="50000"/>
+                      <ns1:lumOff val="50000"/>
+                    </ns1:schemeClr>
+                  </ns1:solidFill>
+                  <ns1:latin typeface="Open Sans" panose="020B0606030504020204" pitchFamily="34" charset="0"/>
+                </ns1:rPr>
+                <ns1:t>£</ns1:t>
+              </ns1:r>
               <ns1:r>
                 <ns1:rPr lang="tr-TR" sz="1000" b="1" i="0" u="none" strike="noStrike" dirty="0" err="1">
                   <ns1:solidFill>
@@ -40474,9 +40466,9 @@
         <ns0:grpSpPr>
           <ns1:xfrm>
             <ns1:off x="5848090" y="2991292"/>
-            <ns1:ext cx="5271366" cy="265418"/>
+            <ns1:ext cx="5271367" cy="265418"/>
             <ns1:chOff x="5701173" y="1914766"/>
-            <ns1:chExt cx="5271366" cy="327336"/>
+            <ns1:chExt cx="5271367" cy="327336"/>
           </ns1:xfrm>
         </ns0:grpSpPr>
         <ns0:sp>
@@ -40563,18 +40555,6 @@
             <ns1:lstStyle/>
             <ns1:p>
               <ns1:pPr algn="l" fontAlgn="ctr"/>
-              <ns1:r>
-                <ns1:rPr lang="tr-TR" sz="1000" dirty="0">
-                  <ns1:solidFill>
-                    <ns1:schemeClr val="tx1">
-                      <ns1:lumMod val="50000"/>
-                      <ns1:lumOff val="50000"/>
-                    </ns1:schemeClr>
-                  </ns1:solidFill>
-                  <ns1:latin typeface="Open Sans" panose="020B0606030504020204" pitchFamily="34" charset="0"/>
-                </ns1:rPr>
-                <ns1:t>£</ns1:t>
-              </ns1:r>
               <ns1:endParaRPr lang="en-GB" sz="1000" b="0" i="0" u="none" strike="noStrike" dirty="0">
                 <ns1:solidFill>
                   <ns1:schemeClr val="tx1">
@@ -40602,8 +40582,8 @@
           </ns0:nvSpPr>
           <ns0:spPr>
             <ns1:xfrm>
-              <ns1:off x="10108153" y="1914766"/>
-              <ns1:ext cx="864386" cy="303661"/>
+              <ns1:off x="9484506" y="1914766"/>
+              <ns1:ext cx="1488034" cy="303661"/>
             </ns1:xfrm>
             <ns1:prstGeom prst="rect">
               <ns1:avLst/>
@@ -40616,7 +40596,19 @@
             </ns1:bodyPr>
             <ns1:lstStyle/>
             <ns1:p>
-              <ns1:pPr algn="r" fontAlgn="ctr"/>
+              <ns1:pPr fontAlgn="ctr"/>
+              <ns1:r>
+                <ns1:rPr lang="tr-TR" sz="1000" b="1" dirty="0">
+                  <ns1:solidFill>
+                    <ns1:schemeClr val="tx1">
+                      <ns1:lumMod val="50000"/>
+                      <ns1:lumOff val="50000"/>
+                    </ns1:schemeClr>
+                  </ns1:solidFill>
+                  <ns1:latin typeface="Open Sans" panose="020B0606030504020204" pitchFamily="34" charset="0"/>
+                </ns1:rPr>
+                <ns1:t>£</ns1:t>
+              </ns1:r>
               <ns1:r>
                 <ns1:rPr lang="tr-TR" sz="1000" b="1" dirty="0" err="1">
                   <ns1:solidFill>
@@ -40658,9 +40650,9 @@
         <ns0:grpSpPr>
           <ns1:xfrm>
             <ns1:off x="5848090" y="3228109"/>
-            <ns1:ext cx="5271366" cy="265418"/>
+            <ns1:ext cx="5271367" cy="265418"/>
             <ns1:chOff x="5701173" y="1914766"/>
-            <ns1:chExt cx="5271366" cy="327336"/>
+            <ns1:chExt cx="5271367" cy="327336"/>
           </ns1:xfrm>
         </ns0:grpSpPr>
         <ns0:sp>
@@ -40737,18 +40729,6 @@
             <ns1:lstStyle/>
             <ns1:p>
               <ns1:pPr algn="l" fontAlgn="ctr"/>
-              <ns1:r>
-                <ns1:rPr lang="tr-TR" sz="1000" dirty="0">
-                  <ns1:solidFill>
-                    <ns1:schemeClr val="tx1">
-                      <ns1:lumMod val="50000"/>
-                      <ns1:lumOff val="50000"/>
-                    </ns1:schemeClr>
-                  </ns1:solidFill>
-                  <ns1:latin typeface="Open Sans" panose="020B0606030504020204" pitchFamily="34" charset="0"/>
-                </ns1:rPr>
-                <ns1:t>£</ns1:t>
-              </ns1:r>
               <ns1:endParaRPr lang="en-GB" sz="1000" b="0" i="0" u="none" strike="noStrike" dirty="0">
                 <ns1:solidFill>
                   <ns1:schemeClr val="tx1">
@@ -40776,8 +40756,8 @@
           </ns0:nvSpPr>
           <ns0:spPr>
             <ns1:xfrm>
-              <ns1:off x="10108153" y="1914766"/>
-              <ns1:ext cx="864386" cy="303661"/>
+              <ns1:off x="9484505" y="1914766"/>
+              <ns1:ext cx="1488035" cy="303661"/>
             </ns1:xfrm>
             <ns1:prstGeom prst="rect">
               <ns1:avLst/>
@@ -40790,7 +40770,19 @@
             </ns1:bodyPr>
             <ns1:lstStyle/>
             <ns1:p>
-              <ns1:pPr algn="r" fontAlgn="ctr"/>
+              <ns1:pPr fontAlgn="ctr"/>
+              <ns1:r>
+                <ns1:rPr lang="tr-TR" sz="1000" b="1" dirty="0">
+                  <ns1:solidFill>
+                    <ns1:schemeClr val="tx1">
+                      <ns1:lumMod val="50000"/>
+                      <ns1:lumOff val="50000"/>
+                    </ns1:schemeClr>
+                  </ns1:solidFill>
+                  <ns1:latin typeface="Open Sans" panose="020B0606030504020204" pitchFamily="34" charset="0"/>
+                </ns1:rPr>
+                <ns1:t>£</ns1:t>
+              </ns1:r>
               <ns1:r>
                 <ns1:rPr lang="tr-TR" sz="1000" b="1" i="0" u="none" strike="noStrike" dirty="0" err="1">
                   <ns1:solidFill>
@@ -40833,9 +40825,9 @@
         <ns0:grpSpPr>
           <ns1:xfrm>
             <ns1:off x="5857356" y="3469284"/>
-            <ns1:ext cx="5271366" cy="271544"/>
+            <ns1:ext cx="5271367" cy="271544"/>
             <ns1:chOff x="5701173" y="1914766"/>
-            <ns1:chExt cx="5271366" cy="334891"/>
+            <ns1:chExt cx="5271367" cy="334891"/>
           </ns1:xfrm>
         </ns0:grpSpPr>
         <ns0:sp>
@@ -40922,18 +40914,6 @@
             <ns1:lstStyle/>
             <ns1:p>
               <ns1:pPr algn="l" fontAlgn="ctr"/>
-              <ns1:r>
-                <ns1:rPr lang="tr-TR" sz="1000" dirty="0">
-                  <ns1:solidFill>
-                    <ns1:schemeClr val="tx1">
-                      <ns1:lumMod val="50000"/>
-                      <ns1:lumOff val="50000"/>
-                    </ns1:schemeClr>
-                  </ns1:solidFill>
-                  <ns1:latin typeface="Open Sans" panose="020B0606030504020204" pitchFamily="34" charset="0"/>
-                </ns1:rPr>
-                <ns1:t>£</ns1:t>
-              </ns1:r>
               <ns1:endParaRPr lang="en-GB" sz="1000" b="0" i="0" u="none" strike="noStrike" dirty="0">
                 <ns1:solidFill>
                   <ns1:schemeClr val="tx1">
@@ -40961,8 +40941,8 @@
           </ns0:nvSpPr>
           <ns0:spPr>
             <ns1:xfrm>
-              <ns1:off x="10108153" y="1914766"/>
-              <ns1:ext cx="864386" cy="303661"/>
+              <ns1:off x="9484506" y="1914766"/>
+              <ns1:ext cx="1488034" cy="303661"/>
             </ns1:xfrm>
             <ns1:prstGeom prst="rect">
               <ns1:avLst/>
@@ -40975,7 +40955,19 @@
             </ns1:bodyPr>
             <ns1:lstStyle/>
             <ns1:p>
-              <ns1:pPr algn="r" fontAlgn="ctr"/>
+              <ns1:pPr fontAlgn="ctr"/>
+              <ns1:r>
+                <ns1:rPr lang="tr-TR" sz="1000" b="1" dirty="0">
+                  <ns1:solidFill>
+                    <ns1:schemeClr val="tx1">
+                      <ns1:lumMod val="50000"/>
+                      <ns1:lumOff val="50000"/>
+                    </ns1:schemeClr>
+                  </ns1:solidFill>
+                  <ns1:latin typeface="Open Sans" panose="020B0606030504020204" pitchFamily="34" charset="0"/>
+                </ns1:rPr>
+                <ns1:t>£</ns1:t>
+              </ns1:r>
               <ns1:r>
                 <ns1:rPr lang="tr-TR" sz="1000" b="1" i="0" u="none" strike="noStrike" dirty="0" err="1">
                   <ns1:solidFill>
@@ -41080,10 +41072,10 @@
         </ns0:sp>
         <ns0:sp>
           <ns0:nvSpPr>
-            <ns0:cNvPr id="45" name="Metin kutusu 44">
+            <ns0:cNvPr id="46" name="Metin kutusu 45">
               <ns1:extLst>
                 <ns1:ext uri="{FF2B5EF4-FFF2-40B4-BE49-F238E27FC236}">
-                  <ns2:creationId id="{59C7A798-6C53-8147-A6CE-08FCB9119E7D}"/>
+                  <ns2:creationId id="{474A5092-8869-93EC-DD24-4BFCC3A0C00F}"/>
                 </ns1:ext>
               </ns1:extLst>
             </ns0:cNvPr>
@@ -41092,8 +41084,8 @@
           </ns0:nvSpPr>
           <ns0:spPr>
             <ns1:xfrm>
-              <ns1:off x="9484507" y="1914766"/>
-              <ns1:ext cx="303387" cy="303661"/>
+              <ns1:off x="9493772" y="1914766"/>
+              <ns1:ext cx="1478767" cy="303661"/>
             </ns1:xfrm>
             <ns1:prstGeom prst="rect">
               <ns1:avLst/>
@@ -41106,9 +41098,9 @@
             </ns1:bodyPr>
             <ns1:lstStyle/>
             <ns1:p>
-              <ns1:pPr algn="l" fontAlgn="ctr"/>
+              <ns1:pPr fontAlgn="ctr"/>
               <ns1:r>
-                <ns1:rPr lang="tr-TR" sz="1000" dirty="0">
+                <ns1:rPr lang="tr-TR" sz="1000" b="1" dirty="0">
                   <ns1:solidFill>
                     <ns1:schemeClr val="tx1">
                       <ns1:lumMod val="50000"/>
@@ -41119,48 +41111,6 @@
                 </ns1:rPr>
                 <ns1:t>£</ns1:t>
               </ns1:r>
-              <ns1:endParaRPr lang="en-GB" sz="1000" b="0" i="0" u="none" strike="noStrike" dirty="0">
-                <ns1:solidFill>
-                  <ns1:schemeClr val="tx1">
-                    <ns1:lumMod val="50000"/>
-                    <ns1:lumOff val="50000"/>
-                  </ns1:schemeClr>
-                </ns1:solidFill>
-                <ns1:effectLst/>
-                <ns1:latin typeface="Open Sans" panose="020B0606030504020204" pitchFamily="34" charset="0"/>
-              </ns1:endParaRPr>
-            </ns1:p>
-          </ns0:txBody>
-        </ns0:sp>
-        <ns0:sp>
-          <ns0:nvSpPr>
-            <ns0:cNvPr id="46" name="Metin kutusu 45">
-              <ns1:extLst>
-                <ns1:ext uri="{FF2B5EF4-FFF2-40B4-BE49-F238E27FC236}">
-                  <ns2:creationId id="{474A5092-8869-93EC-DD24-4BFCC3A0C00F}"/>
-                </ns1:ext>
-              </ns1:extLst>
-            </ns0:cNvPr>
-            <ns0:cNvSpPr txBox="1"/>
-            <ns0:nvPr/>
-          </ns0:nvSpPr>
-          <ns0:spPr>
-            <ns1:xfrm>
-              <ns1:off x="10108153" y="1914766"/>
-              <ns1:ext cx="864386" cy="303661"/>
-            </ns1:xfrm>
-            <ns1:prstGeom prst="rect">
-              <ns1:avLst/>
-            </ns1:prstGeom>
-            <ns1:noFill/>
-          </ns0:spPr>
-          <ns0:txBody>
-            <ns1:bodyPr wrap="square">
-              <ns1:spAutoFit/>
-            </ns1:bodyPr>
-            <ns1:lstStyle/>
-            <ns1:p>
-              <ns1:pPr algn="r" fontAlgn="ctr"/>
               <ns1:r>
                 <ns1:rPr lang="tr-TR" sz="1000" b="1" i="0" u="none" strike="noStrike" dirty="0" err="1">
                   <ns1:solidFill>
@@ -41292,18 +41242,6 @@
             <ns1:lstStyle/>
             <ns1:p>
               <ns1:pPr algn="l" fontAlgn="ctr"/>
-              <ns1:r>
-                <ns1:rPr lang="tr-TR" sz="1000" dirty="0">
-                  <ns1:solidFill>
-                    <ns1:schemeClr val="tx1">
-                      <ns1:lumMod val="50000"/>
-                      <ns1:lumOff val="50000"/>
-                    </ns1:schemeClr>
-                  </ns1:solidFill>
-                  <ns1:latin typeface="Open Sans" panose="020B0606030504020204" pitchFamily="34" charset="0"/>
-                </ns1:rPr>
-                <ns1:t>£</ns1:t>
-              </ns1:r>
               <ns1:endParaRPr lang="en-GB" sz="1000" b="0" i="0" u="none" strike="noStrike" dirty="0">
                 <ns1:solidFill>
                   <ns1:schemeClr val="tx1">
@@ -41331,8 +41269,8 @@
           </ns0:nvSpPr>
           <ns0:spPr>
             <ns1:xfrm>
-              <ns1:off x="10108153" y="1914766"/>
-              <ns1:ext cx="864386" cy="303661"/>
+              <ns1:off x="9498328" y="1914766"/>
+              <ns1:ext cx="1474211" cy="303661"/>
             </ns1:xfrm>
             <ns1:prstGeom prst="rect">
               <ns1:avLst/>
@@ -41345,7 +41283,19 @@
             </ns1:bodyPr>
             <ns1:lstStyle/>
             <ns1:p>
-              <ns1:pPr algn="r" fontAlgn="ctr"/>
+              <ns1:pPr fontAlgn="ctr"/>
+              <ns1:r>
+                <ns1:rPr lang="tr-TR" sz="1000" b="1" dirty="0">
+                  <ns1:solidFill>
+                    <ns1:schemeClr val="tx1">
+                      <ns1:lumMod val="50000"/>
+                      <ns1:lumOff val="50000"/>
+                    </ns1:schemeClr>
+                  </ns1:solidFill>
+                  <ns1:latin typeface="Open Sans" panose="020B0606030504020204" pitchFamily="34" charset="0"/>
+                </ns1:rPr>
+                <ns1:t>£</ns1:t>
+              </ns1:r>
               <ns1:r>
                 <ns1:rPr lang="tr-TR" sz="1000" b="1" i="0" u="none" strike="noStrike" dirty="0" err="1">
                   <ns1:solidFill>
@@ -41477,18 +41427,6 @@
             <ns1:lstStyle/>
             <ns1:p>
               <ns1:pPr algn="l" fontAlgn="ctr"/>
-              <ns1:r>
-                <ns1:rPr lang="tr-TR" sz="1000" dirty="0">
-                  <ns1:solidFill>
-                    <ns1:schemeClr val="tx1">
-                      <ns1:lumMod val="50000"/>
-                      <ns1:lumOff val="50000"/>
-                    </ns1:schemeClr>
-                  </ns1:solidFill>
-                  <ns1:latin typeface="Open Sans" panose="020B0606030504020204" pitchFamily="34" charset="0"/>
-                </ns1:rPr>
-                <ns1:t>£</ns1:t>
-              </ns1:r>
               <ns1:endParaRPr lang="en-GB" sz="1000" b="0" i="0" u="none" strike="noStrike" dirty="0">
                 <ns1:solidFill>
                   <ns1:schemeClr val="tx1">
@@ -41516,8 +41454,8 @@
           </ns0:nvSpPr>
           <ns0:spPr>
             <ns1:xfrm>
-              <ns1:off x="10108153" y="1914766"/>
-              <ns1:ext cx="864386" cy="303661"/>
+              <ns1:off x="9493772" y="1914766"/>
+              <ns1:ext cx="1478767" cy="303661"/>
             </ns1:xfrm>
             <ns1:prstGeom prst="rect">
               <ns1:avLst/>
@@ -41530,7 +41468,19 @@
             </ns1:bodyPr>
             <ns1:lstStyle/>
             <ns1:p>
-              <ns1:pPr algn="r" fontAlgn="ctr"/>
+              <ns1:pPr fontAlgn="ctr"/>
+              <ns1:r>
+                <ns1:rPr lang="tr-TR" sz="1000" b="1" dirty="0">
+                  <ns1:solidFill>
+                    <ns1:schemeClr val="tx1">
+                      <ns1:lumMod val="50000"/>
+                      <ns1:lumOff val="50000"/>
+                    </ns1:schemeClr>
+                  </ns1:solidFill>
+                  <ns1:latin typeface="Open Sans" panose="020B0606030504020204" pitchFamily="34" charset="0"/>
+                </ns1:rPr>
+                <ns1:t>£</ns1:t>
+              </ns1:r>
               <ns1:r>
                 <ns1:rPr lang="tr-TR" sz="1000" b="1" i="0" u="none" strike="noStrike" dirty="0" err="1">
                   <ns1:solidFill>
@@ -41662,18 +41612,6 @@
             <ns1:lstStyle/>
             <ns1:p>
               <ns1:pPr algn="l" fontAlgn="ctr"/>
-              <ns1:r>
-                <ns1:rPr lang="tr-TR" sz="1000" dirty="0">
-                  <ns1:solidFill>
-                    <ns1:schemeClr val="tx1">
-                      <ns1:lumMod val="50000"/>
-                      <ns1:lumOff val="50000"/>
-                    </ns1:schemeClr>
-                  </ns1:solidFill>
-                  <ns1:latin typeface="Open Sans" panose="020B0606030504020204" pitchFamily="34" charset="0"/>
-                </ns1:rPr>
-                <ns1:t>£</ns1:t>
-              </ns1:r>
               <ns1:endParaRPr lang="en-GB" sz="1000" b="0" i="0" u="none" strike="noStrike" dirty="0">
                 <ns1:solidFill>
                   <ns1:schemeClr val="tx1">
@@ -41701,8 +41639,8 @@
           </ns0:nvSpPr>
           <ns0:spPr>
             <ns1:xfrm>
-              <ns1:off x="10108153" y="1914766"/>
-              <ns1:ext cx="864386" cy="303661"/>
+              <ns1:off x="9508831" y="1914766"/>
+              <ns1:ext cx="1463708" cy="303661"/>
             </ns1:xfrm>
             <ns1:prstGeom prst="rect">
               <ns1:avLst/>
@@ -41715,7 +41653,19 @@
             </ns1:bodyPr>
             <ns1:lstStyle/>
             <ns1:p>
-              <ns1:pPr algn="r" fontAlgn="ctr"/>
+              <ns1:pPr fontAlgn="ctr"/>
+              <ns1:r>
+                <ns1:rPr lang="tr-TR" sz="1000" b="1" dirty="0">
+                  <ns1:solidFill>
+                    <ns1:schemeClr val="tx1">
+                      <ns1:lumMod val="50000"/>
+                      <ns1:lumOff val="50000"/>
+                    </ns1:schemeClr>
+                  </ns1:solidFill>
+                  <ns1:latin typeface="Open Sans" panose="020B0606030504020204" pitchFamily="34" charset="0"/>
+                </ns1:rPr>
+                <ns1:t>£</ns1:t>
+              </ns1:r>
               <ns1:r>
                 <ns1:rPr lang="tr-TR" sz="1000" b="1" i="0" u="none" strike="noStrike" dirty="0" err="1">
                   <ns1:solidFill>
@@ -41758,9 +41708,9 @@
         <ns0:grpSpPr>
           <ns1:xfrm>
             <ns1:off x="5943200" y="5206279"/>
-            <ns1:ext cx="5176256" cy="252000"/>
+            <ns1:ext cx="5176257" cy="252000"/>
             <ns1:chOff x="5795087" y="1979872"/>
-            <ns1:chExt cx="5176256" cy="209541"/>
+            <ns1:chExt cx="5176257" cy="209541"/>
           </ns1:xfrm>
           <ns1:solidFill>
             <ns1:srgbClr val="848182"/>
@@ -41837,15 +41787,6 @@
             <ns1:lstStyle/>
             <ns1:p>
               <ns1:pPr algn="l" fontAlgn="ctr"/>
-              <ns1:r>
-                <ns1:rPr lang="tr-TR" sz="1000" b="1" dirty="0">
-                  <ns1:solidFill>
-                    <ns1:srgbClr val="FFFFFF"/>
-                  </ns1:solidFill>
-                  <ns1:latin typeface="Open Sans" panose="020B0606030504020204" pitchFamily="34" charset="0"/>
-                </ns1:rPr>
-                <ns1:t>£</ns1:t>
-              </ns1:r>
               <ns1:endParaRPr lang="en-GB" sz="1000" b="1" dirty="0">
                 <ns1:solidFill>
                   <ns1:srgbClr val="FFFFFF"/>
@@ -41869,8 +41810,8 @@
           </ns0:nvSpPr>
           <ns0:spPr>
             <ns1:xfrm>
-              <ns1:off x="9802122" y="1979872"/>
-              <ns1:ext cx="1169221" cy="204701"/>
+              <ns1:off x="9501842" y="1979872"/>
+              <ns1:ext cx="1469502" cy="204701"/>
             </ns1:xfrm>
             <ns1:prstGeom prst="rect">
               <ns1:avLst/>
@@ -41883,7 +41824,16 @@
             </ns1:bodyPr>
             <ns1:lstStyle/>
             <ns1:p>
-              <ns1:pPr algn="r" fontAlgn="ctr"/>
+              <ns1:pPr fontAlgn="ctr"/>
+              <ns1:r>
+                <ns1:rPr lang="tr-TR" sz="1000" b="1" dirty="0">
+                  <ns1:solidFill>
+                    <ns1:srgbClr val="FFFFFF"/>
+                  </ns1:solidFill>
+                  <ns1:latin typeface="Open Sans" panose="020B0606030504020204" pitchFamily="34" charset="0"/>
+                </ns1:rPr>
+                <ns1:t>£</ns1:t>
+              </ns1:r>
               <ns1:r>
                 <ns1:rPr lang="tr-TR" sz="1000" b="1" i="0" u="none" strike="noStrike" dirty="0" err="1">
                   <ns1:solidFill>
@@ -41892,7 +41842,7 @@
                   <ns1:effectLst/>
                   <ns1:latin typeface="Open Sans" panose="020B0606030504020204" pitchFamily="34" charset="0"/>
                 </ns1:rPr>
-                <ns1:t> 2,822,228</ns1:t>
+                <ns1:t> 646,815</ns1:t>
               </ns1:r>
               <ns1:endParaRPr lang="en-GB" sz="1000" b="0" i="0" u="none" strike="noStrike" dirty="0">
                 <ns1:solidFill>
@@ -42482,7 +42432,7 @@
                           <ns1:effectLst/>
                           <ns1:latin typeface="Calibri" panose="020F0502020204030204" pitchFamily="34" charset="0"/>
                         </ns1:rPr>
-                        <ns1:t>99</ns1:t>
+                        <ns1:t>0</ns1:t>
                       </ns1:r>
                       <ns1:r>
                         <ns1:rPr lang="en-GB" sz="1400" b="1" i="0" u="none" strike="noStrike" dirty="0">
@@ -42600,7 +42550,7 @@
                           <ns1:effectLst/>
                           <ns1:latin typeface="Calibri" panose="020F0502020204030204" pitchFamily="34" charset="0"/>
                         </ns1:rPr>
-                        <ns1:t>67</ns1:t>
+                        <ns1:t>97</ns1:t>
                       </ns1:r>
                       <ns1:r>
                         <ns1:rPr lang="en-GB" sz="1400" b="1" i="0" u="none" strike="noStrike" dirty="0">
@@ -42712,7 +42662,7 @@
                           <ns1:effectLst/>
                           <ns1:latin typeface="Calibri" panose="020F0502020204030204" pitchFamily="34" charset="0"/>
                         </ns1:rPr>
-                        <ns1:t>50</ns1:t>
+                        <ns1:t>0</ns1:t>
                       </ns1:r>
                       <ns1:r>
                         <ns1:rPr lang="en-GB" sz="1400" b="1" i="0" u="none" strike="noStrike" dirty="0">
@@ -42814,7 +42764,7 @@
                           <ns1:effectLst/>
                           <ns1:latin typeface="Calibri" panose="020F0502020204030204" pitchFamily="34" charset="0"/>
                         </ns1:rPr>
-                        <ns1:t>67</ns1:t>
+                        <ns1:t>0</ns1:t>
                       </ns1:r>
                       <ns1:r>
                         <ns1:rPr lang="en-GB" sz="1400" b="1" i="0" u="none" strike="noStrike" dirty="0">
@@ -42926,7 +42876,7 @@
                           <ns1:effectLst/>
                           <ns1:latin typeface="Calibri" panose="020F0502020204030204" pitchFamily="34" charset="0"/>
                         </ns1:rPr>
-                        <ns1:t>32</ns1:t>
+                        <ns1:t>0</ns1:t>
                       </ns1:r>
                       <ns1:r>
                         <ns1:rPr lang="en-GB" sz="1400" b="1" i="0" u="none" strike="noStrike" dirty="0">
@@ -43038,7 +42988,7 @@
                           <ns1:effectLst/>
                           <ns1:latin typeface="Calibri" panose="020F0502020204030204" pitchFamily="34" charset="0"/>
                         </ns1:rPr>
-                        <ns1:t>32</ns1:t>
+                        <ns1:t>0</ns1:t>
                       </ns1:r>
                       <ns1:r>
                         <ns1:rPr lang="en-GB" sz="1400" b="1" i="0" u="none" strike="noStrike" dirty="0">
@@ -43150,7 +43100,7 @@
                           <ns1:effectLst/>
                           <ns1:latin typeface="Calibri" panose="020F0502020204030204" pitchFamily="34" charset="0"/>
                         </ns1:rPr>
-                        <ns1:t>98</ns1:t>
+                        <ns1:t>0</ns1:t>
                       </ns1:r>
                       <ns1:r>
                         <ns1:rPr lang="en-GB" sz="1400" b="1" i="0" u="none" strike="noStrike" dirty="0">
@@ -43252,7 +43202,7 @@
                           <ns1:effectLst/>
                           <ns1:latin typeface="Calibri" panose="020F0502020204030204" pitchFamily="34" charset="0"/>
                         </ns1:rPr>
-                        <ns1:t>80</ns1:t>
+                        <ns1:t>0</ns1:t>
                       </ns1:r>
                       <ns1:r>
                         <ns1:rPr lang="tr-TR" sz="1400" b="1" i="0" u="none" strike="noStrike" dirty="0">
@@ -43374,7 +43324,7 @@
                           <ns1:effectLst/>
                           <ns1:latin typeface="Calibri" panose="020F0502020204030204" pitchFamily="34" charset="0"/>
                         </ns1:rPr>
-                        <ns1:t>72</ns1:t>
+                        <ns1:t>0</ns1:t>
                       </ns1:r>
                       <ns1:r>
                         <ns1:rPr lang="tr-TR" sz="1400" b="1" i="0" u="none" strike="noStrike" dirty="0">
@@ -43486,7 +43436,7 @@
                           <ns1:effectLst/>
                           <ns1:latin typeface="Calibri" panose="020F0502020204030204" pitchFamily="34" charset="0"/>
                         </ns1:rPr>
-                        <ns1:t>90</ns1:t>
+                        <ns1:t>0</ns1:t>
                       </ns1:r>
                       <ns1:r>
                         <ns1:rPr lang="tr-TR" sz="1400" b="1" i="0" u="none" strike="noStrike" dirty="0">
@@ -43824,40 +43774,14 @@
               <ns1:t>You selected two periods between which to run a value review, these were: </ns1:t>
             </ns1:r>
             <ns1:r>
-              <ns1:rPr lang="en-GB" sz="1000" b="0" i="0" dirty="0">
+              <ns1:rPr lang="tr-TR" sz="1000" b="0" i="0" dirty="0">
                 <ns1:solidFill>
                   <ns1:srgbClr val="555555"/>
                 </ns1:solidFill>
                 <ns1:effectLst/>
                 <ns1:latin typeface="Open Sans" panose="020B0606030504020204" pitchFamily="34" charset="0"/>
               </ns1:rPr>
-              <ns1:t>[</ns1:t>
-            </ns1:r>
-            <ns1:r>
-              <ns1:rPr lang="en-GB" sz="1000" dirty="0">
-                <ns1:solidFill>
-                  <ns1:srgbClr val="555555"/>
-                </ns1:solidFill>
-              </ns1:rPr>
-              <ns1:t>pls </ns1:t>
-            </ns1:r>
-            <ns1:r>
-              <ns1:rPr lang="en-GB" sz="1000" b="0" i="0" dirty="0">
-                <ns1:solidFill>
-                  <ns1:srgbClr val="555555"/>
-                </ns1:solidFill>
-                <ns1:effectLst/>
-                <ns1:latin typeface="Open Sans" panose="020B0606030504020204" pitchFamily="34" charset="0"/>
-              </ns1:rPr>
-              <ns1:t>insert details of period one selected, and period two selected</ns1:t>
-            </ns1:r>
-            <ns1:r>
-              <ns1:rPr lang="en-GB" sz="1000" dirty="0">
-                <ns1:solidFill>
-                  <ns1:srgbClr val="555555"/>
-                </ns1:solidFill>
-              </ns1:rPr>
-              <ns1:t>]</ns1:t>
+              <ns1:t>Prior to implementation, 6 months after go live</ns1:t>
             </ns1:r>
             <ns1:endParaRPr lang="en-GB" sz="1050" dirty="0">
               <ns1:solidFill>
@@ -44950,15 +44874,6 @@
 </file>
 
 <file path=customXml/item2.xml><?xml version="1.0" encoding="utf-8"?>
-<?mso-contentType ?>
-<FormTemplates xmlns="http://schemas.microsoft.com/sharepoint/v3/contenttype/forms">
-  <Display>DocumentLibraryForm</Display>
-  <Edit>DocumentLibraryForm</Edit>
-  <New>DocumentLibraryForm</New>
-</FormTemplates>
-</file>
-
-<file path=customXml/item3.xml><?xml version="1.0" encoding="utf-8"?>
 <p:properties xmlns:p="http://schemas.microsoft.com/office/2006/metadata/properties" xmlns:xsi="http://www.w3.org/2001/XMLSchema-instance" xmlns:pc="http://schemas.microsoft.com/office/infopath/2007/PartnerControls">
   <documentManagement>
     <lcf76f155ced4ddcb4097134ff3c332f xmlns="8a969d1d-647f-4e4c-97f9-a5143e71e435">
@@ -44967,6 +44882,15 @@
     <TaxCatchAll xmlns="eb37a4e0-bf89-419d-8b31-963a97458fb1" xsi:nil="true"/>
   </documentManagement>
 </p:properties>
+</file>
+
+<file path=customXml/item3.xml><?xml version="1.0" encoding="utf-8"?>
+<?mso-contentType ?>
+<FormTemplates xmlns="http://schemas.microsoft.com/sharepoint/v3/contenttype/forms">
+  <Display>DocumentLibraryForm</Display>
+  <Edit>DocumentLibraryForm</Edit>
+  <New>DocumentLibraryForm</New>
+</FormTemplates>
 </file>
 
 <file path=customXml/itemProps1.xml><?xml version="1.0" encoding="utf-8"?>
@@ -44989,14 +44913,6 @@
 </file>
 
 <file path=customXml/itemProps2.xml><?xml version="1.0" encoding="utf-8"?>
-<ds:datastoreItem xmlns:ds="http://schemas.openxmlformats.org/officeDocument/2006/customXml" ds:itemID="{953B4D23-82FF-4812-9F4E-BB600331C634}">
-  <ds:schemaRefs>
-    <ds:schemaRef ds:uri="http://schemas.microsoft.com/sharepoint/v3/contenttype/forms"/>
-  </ds:schemaRefs>
-</ds:datastoreItem>
-</file>
-
-<file path=customXml/itemProps3.xml><?xml version="1.0" encoding="utf-8"?>
 <ds:datastoreItem xmlns:ds="http://schemas.openxmlformats.org/officeDocument/2006/customXml" ds:itemID="{8140E5F8-1399-4596-AA73-4BD79D26AFFD}">
   <ds:schemaRefs>
     <ds:schemaRef ds:uri="http://purl.org/dc/dcmitype/"/>
@@ -45013,6 +44929,14 @@
 </ds:datastoreItem>
 </file>
 
+<file path=customXml/itemProps3.xml><?xml version="1.0" encoding="utf-8"?>
+<ds:datastoreItem xmlns:ds="http://schemas.openxmlformats.org/officeDocument/2006/customXml" ds:itemID="{953B4D23-82FF-4812-9F4E-BB600331C634}">
+  <ds:schemaRefs>
+    <ds:schemaRef ds:uri="http://schemas.microsoft.com/sharepoint/v3/contenttype/forms"/>
+  </ds:schemaRefs>
+</ds:datastoreItem>
+</file>
+
 <file path=docMetadata/LabelInfo.xml><?xml version="1.0" encoding="utf-8"?>
 <clbl:labelList xmlns:clbl="http://schemas.microsoft.com/office/2020/mipLabelMetadata">
   <clbl:label id="{2b5a89e7-01bf-42ed-9da1-669d82eec17a}" enabled="0" method="" siteId="{2b5a89e7-01bf-42ed-9da1-669d82eec17a}" removed="1"/>

--- a/questionare_output.pptx
+++ b/questionare_output.pptx
@@ -456,34 +456,34 @@
                 <c:formatCode>"£"#,##0</c:formatCode>
                 <c:ptCount val="10"/>
                 <c:pt idx="0">
-                  <c:v>646815</c:v>
+                  <c:v>250270</c:v>
                 </c:pt>
                 <c:pt idx="1">
-                  <c:v/>
+                  <c:v>229603</c:v>
                 </c:pt>
                 <c:pt idx="2">
-                  <c:v/>
+                  <c:v>1162006</c:v>
                 </c:pt>
                 <c:pt idx="3">
-                  <c:v/>
+                  <c:v>491</c:v>
                 </c:pt>
                 <c:pt idx="4">
-                  <c:v/>
+                  <c:v>21376</c:v>
                 </c:pt>
                 <c:pt idx="5">
-                  <c:v/>
+                  <c:v>780537</c:v>
                 </c:pt>
                 <c:pt idx="6">
-                  <c:v/>
+                  <c:v>44519</c:v>
                 </c:pt>
                 <c:pt idx="7">
-                  <c:v/>
+                  <c:v>158542</c:v>
                 </c:pt>
                 <c:pt idx="8">
-                  <c:v/>
+                  <c:v>21108</c:v>
                 </c:pt>
                 <c:pt idx="9">
-                  <c:v/>
+                  <c:v>347566</c:v>
                 </c:pt>
               </c:numCache>
             </c:numRef>
@@ -38979,7 +38979,7 @@
               <ns1:rPr lang="tr-TR" dirty="0" err="1">
                 <ns1:latin typeface="Montserrat SemiBold"/>
               </ns1:rPr>
-              <ns1:t>murat</ns1:t>
+              <ns1:t>Digiblue</ns1:t>
             </ns1:r>
             <ns1:r>
               <ns1:rPr lang="en-US" dirty="0">
@@ -40029,7 +40029,7 @@
                   <ns1:effectLst/>
                   <ns1:latin typeface="Open Sans" panose="020B0606030504020204" pitchFamily="34" charset="0"/>
                 </ns1:rPr>
-                <ns1:t>0</ns1:t>
+                <ns1:t>21,108</ns1:t>
               </ns1:r>
               <ns1:endParaRPr lang="en-GB" sz="1000" b="1" i="0" u="none" strike="noStrike" dirty="0">
                 <ns1:solidFill>
@@ -40250,7 +40250,7 @@
                   <ns1:effectLst/>
                   <ns1:latin typeface="Open Sans" panose="020B0606030504020204" pitchFamily="34" charset="0"/>
                 </ns1:rPr>
-                <ns1:t>646,815</ns1:t>
+                <ns1:t>250,270</ns1:t>
               </ns1:r>
               <ns1:endParaRPr lang="en-GB" sz="1000" b="1" i="0" u="none" strike="noStrike" dirty="0">
                 <ns1:solidFill>
@@ -40435,7 +40435,7 @@
                   <ns1:effectLst/>
                   <ns1:latin typeface="Open Sans" panose="020B0606030504020204" pitchFamily="34" charset="0"/>
                 </ns1:rPr>
-                <ns1:t>0</ns1:t>
+                <ns1:t>229,603</ns1:t>
               </ns1:r>
               <ns1:endParaRPr lang="en-GB" sz="1000" b="1" i="0" u="none" strike="noStrike" dirty="0">
                 <ns1:solidFill>
@@ -40619,7 +40619,7 @@
                   </ns1:solidFill>
                   <ns1:latin typeface="Open Sans" panose="020B0606030504020204" pitchFamily="34" charset="0"/>
                 </ns1:rPr>
-                <ns1:t>0</ns1:t>
+                <ns1:t>44,519</ns1:t>
               </ns1:r>
               <ns1:endParaRPr lang="en-GB" sz="1000" b="1" i="0" u="none" strike="noStrike" dirty="0">
                 <ns1:solidFill>
@@ -40794,7 +40794,7 @@
                   <ns1:effectLst/>
                   <ns1:latin typeface="Open Sans" panose="020B0606030504020204" pitchFamily="34" charset="0"/>
                 </ns1:rPr>
-                <ns1:t>0</ns1:t>
+                <ns1:t>1,162,006</ns1:t>
               </ns1:r>
               <ns1:endParaRPr lang="en-GB" sz="1000" b="1" i="0" u="none" strike="noStrike" dirty="0">
                 <ns1:solidFill>
@@ -40979,7 +40979,7 @@
                   <ns1:effectLst/>
                   <ns1:latin typeface="Open Sans" panose="020B0606030504020204" pitchFamily="34" charset="0"/>
                 </ns1:rPr>
-                <ns1:t>0</ns1:t>
+                <ns1:t>491</ns1:t>
               </ns1:r>
               <ns1:endParaRPr lang="en-GB" sz="1000" b="1" i="0" u="none" strike="noStrike" dirty="0">
                 <ns1:solidFill>
@@ -41122,7 +41122,7 @@
                   <ns1:effectLst/>
                   <ns1:latin typeface="Open Sans" panose="020B0606030504020204" pitchFamily="34" charset="0"/>
                 </ns1:rPr>
-                <ns1:t>0</ns1:t>
+                <ns1:t>21,376</ns1:t>
               </ns1:r>
               <ns1:endParaRPr lang="en-GB" sz="1000" b="1" i="0" u="none" strike="noStrike" dirty="0">
                 <ns1:solidFill>
@@ -41307,7 +41307,7 @@
                   <ns1:effectLst/>
                   <ns1:latin typeface="Open Sans" panose="020B0606030504020204" pitchFamily="34" charset="0"/>
                 </ns1:rPr>
-                <ns1:t>0</ns1:t>
+                <ns1:t>780,537</ns1:t>
               </ns1:r>
               <ns1:endParaRPr lang="en-GB" sz="1000" b="1" i="0" u="none" strike="noStrike" dirty="0">
                 <ns1:solidFill>
@@ -41492,7 +41492,7 @@
                   <ns1:effectLst/>
                   <ns1:latin typeface="Open Sans" panose="020B0606030504020204" pitchFamily="34" charset="0"/>
                 </ns1:rPr>
-                <ns1:t>0</ns1:t>
+                <ns1:t>158,542</ns1:t>
               </ns1:r>
               <ns1:endParaRPr lang="en-GB" sz="1000" b="1" i="0" u="none" strike="noStrike" dirty="0">
                 <ns1:solidFill>
@@ -41677,7 +41677,7 @@
                   <ns1:effectLst/>
                   <ns1:latin typeface="Open Sans" panose="020B0606030504020204" pitchFamily="34" charset="0"/>
                 </ns1:rPr>
-                <ns1:t>0</ns1:t>
+                <ns1:t>347,566</ns1:t>
               </ns1:r>
               <ns1:endParaRPr lang="en-GB" sz="1000" b="1" i="0" u="none" strike="noStrike" dirty="0">
                 <ns1:solidFill>
@@ -41842,7 +41842,7 @@
                   <ns1:effectLst/>
                   <ns1:latin typeface="Open Sans" panose="020B0606030504020204" pitchFamily="34" charset="0"/>
                 </ns1:rPr>
-                <ns1:t> 646,815</ns1:t>
+                <ns1:t>3,016,018</ns1:t>
               </ns1:r>
               <ns1:endParaRPr lang="en-GB" sz="1000" b="0" i="0" u="none" strike="noStrike" dirty="0">
                 <ns1:solidFill>
@@ -42432,7 +42432,7 @@
                           <ns1:effectLst/>
                           <ns1:latin typeface="Calibri" panose="020F0502020204030204" pitchFamily="34" charset="0"/>
                         </ns1:rPr>
-                        <ns1:t>0</ns1:t>
+                        <ns1:t>99</ns1:t>
                       </ns1:r>
                       <ns1:r>
                         <ns1:rPr lang="en-GB" sz="1400" b="1" i="0" u="none" strike="noStrike" dirty="0">
@@ -42550,7 +42550,7 @@
                           <ns1:effectLst/>
                           <ns1:latin typeface="Calibri" panose="020F0502020204030204" pitchFamily="34" charset="0"/>
                         </ns1:rPr>
-                        <ns1:t>97</ns1:t>
+                        <ns1:t>65</ns1:t>
                       </ns1:r>
                       <ns1:r>
                         <ns1:rPr lang="en-GB" sz="1400" b="1" i="0" u="none" strike="noStrike" dirty="0">
@@ -42662,7 +42662,7 @@
                           <ns1:effectLst/>
                           <ns1:latin typeface="Calibri" panose="020F0502020204030204" pitchFamily="34" charset="0"/>
                         </ns1:rPr>
-                        <ns1:t>0</ns1:t>
+                        <ns1:t>75</ns1:t>
                       </ns1:r>
                       <ns1:r>
                         <ns1:rPr lang="en-GB" sz="1400" b="1" i="0" u="none" strike="noStrike" dirty="0">
@@ -42764,7 +42764,7 @@
                           <ns1:effectLst/>
                           <ns1:latin typeface="Calibri" panose="020F0502020204030204" pitchFamily="34" charset="0"/>
                         </ns1:rPr>
-                        <ns1:t>0</ns1:t>
+                        <ns1:t>81</ns1:t>
                       </ns1:r>
                       <ns1:r>
                         <ns1:rPr lang="en-GB" sz="1400" b="1" i="0" u="none" strike="noStrike" dirty="0">
@@ -42876,7 +42876,7 @@
                           <ns1:effectLst/>
                           <ns1:latin typeface="Calibri" panose="020F0502020204030204" pitchFamily="34" charset="0"/>
                         </ns1:rPr>
-                        <ns1:t>0</ns1:t>
+                        <ns1:t>75</ns1:t>
                       </ns1:r>
                       <ns1:r>
                         <ns1:rPr lang="en-GB" sz="1400" b="1" i="0" u="none" strike="noStrike" dirty="0">
@@ -42988,7 +42988,7 @@
                           <ns1:effectLst/>
                           <ns1:latin typeface="Calibri" panose="020F0502020204030204" pitchFamily="34" charset="0"/>
                         </ns1:rPr>
-                        <ns1:t>0</ns1:t>
+                        <ns1:t>75</ns1:t>
                       </ns1:r>
                       <ns1:r>
                         <ns1:rPr lang="en-GB" sz="1400" b="1" i="0" u="none" strike="noStrike" dirty="0">
@@ -43100,7 +43100,7 @@
                           <ns1:effectLst/>
                           <ns1:latin typeface="Calibri" panose="020F0502020204030204" pitchFamily="34" charset="0"/>
                         </ns1:rPr>
-                        <ns1:t>0</ns1:t>
+                        <ns1:t>99</ns1:t>
                       </ns1:r>
                       <ns1:r>
                         <ns1:rPr lang="en-GB" sz="1400" b="1" i="0" u="none" strike="noStrike" dirty="0">
@@ -43202,7 +43202,7 @@
                           <ns1:effectLst/>
                           <ns1:latin typeface="Calibri" panose="020F0502020204030204" pitchFamily="34" charset="0"/>
                         </ns1:rPr>
-                        <ns1:t>0</ns1:t>
+                        <ns1:t>25</ns1:t>
                       </ns1:r>
                       <ns1:r>
                         <ns1:rPr lang="tr-TR" sz="1400" b="1" i="0" u="none" strike="noStrike" dirty="0">
@@ -43324,7 +43324,7 @@
                           <ns1:effectLst/>
                           <ns1:latin typeface="Calibri" panose="020F0502020204030204" pitchFamily="34" charset="0"/>
                         </ns1:rPr>
-                        <ns1:t>0</ns1:t>
+                        <ns1:t>48</ns1:t>
                       </ns1:r>
                       <ns1:r>
                         <ns1:rPr lang="tr-TR" sz="1400" b="1" i="0" u="none" strike="noStrike" dirty="0">
@@ -43436,7 +43436,7 @@
                           <ns1:effectLst/>
                           <ns1:latin typeface="Calibri" panose="020F0502020204030204" pitchFamily="34" charset="0"/>
                         </ns1:rPr>
-                        <ns1:t>0</ns1:t>
+                        <ns1:t>32</ns1:t>
                       </ns1:r>
                       <ns1:r>
                         <ns1:rPr lang="tr-TR" sz="1400" b="1" i="0" u="none" strike="noStrike" dirty="0">
@@ -43781,7 +43781,7 @@
                 <ns1:effectLst/>
                 <ns1:latin typeface="Open Sans" panose="020B0606030504020204" pitchFamily="34" charset="0"/>
               </ns1:rPr>
-              <ns1:t>Prior to implementation, 6 months after go live</ns1:t>
+              <ns1:t>6 months after go live, 9 months after go live</ns1:t>
             </ns1:r>
             <ns1:endParaRPr lang="en-GB" sz="1050" dirty="0">
               <ns1:solidFill>

--- a/questionare_output.pptx
+++ b/questionare_output.pptx
@@ -456,34 +456,34 @@
                 <c:formatCode>"£"#,##0</c:formatCode>
                 <c:ptCount val="10"/>
                 <c:pt idx="0">
-                  <c:v>250270</c:v>
+                  <c:v/>
                 </c:pt>
                 <c:pt idx="1">
-                  <c:v>229603</c:v>
+                  <c:v/>
                 </c:pt>
                 <c:pt idx="2">
-                  <c:v>1162006</c:v>
+                  <c:v>422968</c:v>
                 </c:pt>
                 <c:pt idx="3">
-                  <c:v>491</c:v>
+                  <c:v>945</c:v>
                 </c:pt>
                 <c:pt idx="4">
-                  <c:v>21376</c:v>
+                  <c:v>9794</c:v>
                 </c:pt>
                 <c:pt idx="5">
-                  <c:v>780537</c:v>
+                  <c:v/>
                 </c:pt>
                 <c:pt idx="6">
-                  <c:v>44519</c:v>
+                  <c:v>243570</c:v>
                 </c:pt>
                 <c:pt idx="7">
-                  <c:v>158542</c:v>
+                  <c:v>283111</c:v>
                 </c:pt>
                 <c:pt idx="8">
-                  <c:v>21108</c:v>
+                  <c:v/>
                 </c:pt>
                 <c:pt idx="9">
-                  <c:v>347566</c:v>
+                  <c:v>162034</c:v>
                 </c:pt>
               </c:numCache>
             </c:numRef>
@@ -40029,7 +40029,7 @@
                   <ns1:effectLst/>
                   <ns1:latin typeface="Open Sans" panose="020B0606030504020204" pitchFamily="34" charset="0"/>
                 </ns1:rPr>
-                <ns1:t>21,108</ns1:t>
+                <ns1:t>32,389</ns1:t>
               </ns1:r>
               <ns1:endParaRPr lang="en-GB" sz="1000" b="1" i="0" u="none" strike="noStrike" dirty="0">
                 <ns1:solidFill>
@@ -40250,7 +40250,7 @@
                   <ns1:effectLst/>
                   <ns1:latin typeface="Open Sans" panose="020B0606030504020204" pitchFamily="34" charset="0"/>
                 </ns1:rPr>
-                <ns1:t>250,270</ns1:t>
+                <ns1:t>0</ns1:t>
               </ns1:r>
               <ns1:endParaRPr lang="en-GB" sz="1000" b="1" i="0" u="none" strike="noStrike" dirty="0">
                 <ns1:solidFill>
@@ -40435,7 +40435,7 @@
                   <ns1:effectLst/>
                   <ns1:latin typeface="Open Sans" panose="020B0606030504020204" pitchFamily="34" charset="0"/>
                 </ns1:rPr>
-                <ns1:t>229,603</ns1:t>
+                <ns1:t>28,547</ns1:t>
               </ns1:r>
               <ns1:endParaRPr lang="en-GB" sz="1000" b="1" i="0" u="none" strike="noStrike" dirty="0">
                 <ns1:solidFill>
@@ -40619,7 +40619,7 @@
                   </ns1:solidFill>
                   <ns1:latin typeface="Open Sans" panose="020B0606030504020204" pitchFamily="34" charset="0"/>
                 </ns1:rPr>
-                <ns1:t>44,519</ns1:t>
+                <ns1:t>243,570</ns1:t>
               </ns1:r>
               <ns1:endParaRPr lang="en-GB" sz="1000" b="1" i="0" u="none" strike="noStrike" dirty="0">
                 <ns1:solidFill>
@@ -40794,7 +40794,7 @@
                   <ns1:effectLst/>
                   <ns1:latin typeface="Open Sans" panose="020B0606030504020204" pitchFamily="34" charset="0"/>
                 </ns1:rPr>
-                <ns1:t>1,162,006</ns1:t>
+                <ns1:t>422,968</ns1:t>
               </ns1:r>
               <ns1:endParaRPr lang="en-GB" sz="1000" b="1" i="0" u="none" strike="noStrike" dirty="0">
                 <ns1:solidFill>
@@ -40979,7 +40979,7 @@
                   <ns1:effectLst/>
                   <ns1:latin typeface="Open Sans" panose="020B0606030504020204" pitchFamily="34" charset="0"/>
                 </ns1:rPr>
-                <ns1:t>491</ns1:t>
+                <ns1:t>945</ns1:t>
               </ns1:r>
               <ns1:endParaRPr lang="en-GB" sz="1000" b="1" i="0" u="none" strike="noStrike" dirty="0">
                 <ns1:solidFill>
@@ -41122,7 +41122,7 @@
                   <ns1:effectLst/>
                   <ns1:latin typeface="Open Sans" panose="020B0606030504020204" pitchFamily="34" charset="0"/>
                 </ns1:rPr>
-                <ns1:t>21,376</ns1:t>
+                <ns1:t>9,794</ns1:t>
               </ns1:r>
               <ns1:endParaRPr lang="en-GB" sz="1000" b="1" i="0" u="none" strike="noStrike" dirty="0">
                 <ns1:solidFill>
@@ -41307,7 +41307,7 @@
                   <ns1:effectLst/>
                   <ns1:latin typeface="Open Sans" panose="020B0606030504020204" pitchFamily="34" charset="0"/>
                 </ns1:rPr>
-                <ns1:t>780,537</ns1:t>
+                <ns1:t>0</ns1:t>
               </ns1:r>
               <ns1:endParaRPr lang="en-GB" sz="1000" b="1" i="0" u="none" strike="noStrike" dirty="0">
                 <ns1:solidFill>
@@ -41492,7 +41492,7 @@
                   <ns1:effectLst/>
                   <ns1:latin typeface="Open Sans" panose="020B0606030504020204" pitchFamily="34" charset="0"/>
                 </ns1:rPr>
-                <ns1:t>158,542</ns1:t>
+                <ns1:t>283,111</ns1:t>
               </ns1:r>
               <ns1:endParaRPr lang="en-GB" sz="1000" b="1" i="0" u="none" strike="noStrike" dirty="0">
                 <ns1:solidFill>
@@ -41677,7 +41677,7 @@
                   <ns1:effectLst/>
                   <ns1:latin typeface="Open Sans" panose="020B0606030504020204" pitchFamily="34" charset="0"/>
                 </ns1:rPr>
-                <ns1:t>347,566</ns1:t>
+                <ns1:t>0</ns1:t>
               </ns1:r>
               <ns1:endParaRPr lang="en-GB" sz="1000" b="1" i="0" u="none" strike="noStrike" dirty="0">
                 <ns1:solidFill>
@@ -41842,7 +41842,7 @@
                   <ns1:effectLst/>
                   <ns1:latin typeface="Open Sans" panose="020B0606030504020204" pitchFamily="34" charset="0"/>
                 </ns1:rPr>
-                <ns1:t>3,016,018</ns1:t>
+                <ns1:t>0</ns1:t>
               </ns1:r>
               <ns1:endParaRPr lang="en-GB" sz="1000" b="0" i="0" u="none" strike="noStrike" dirty="0">
                 <ns1:solidFill>
@@ -42432,7 +42432,7 @@
                           <ns1:effectLst/>
                           <ns1:latin typeface="Calibri" panose="020F0502020204030204" pitchFamily="34" charset="0"/>
                         </ns1:rPr>
-                        <ns1:t>99</ns1:t>
+                        <ns1:t>100</ns1:t>
                       </ns1:r>
                       <ns1:r>
                         <ns1:rPr lang="en-GB" sz="1400" b="1" i="0" u="none" strike="noStrike" dirty="0">
@@ -42550,7 +42550,7 @@
                           <ns1:effectLst/>
                           <ns1:latin typeface="Calibri" panose="020F0502020204030204" pitchFamily="34" charset="0"/>
                         </ns1:rPr>
-                        <ns1:t>65</ns1:t>
+                        <ns1:t>50</ns1:t>
                       </ns1:r>
                       <ns1:r>
                         <ns1:rPr lang="en-GB" sz="1400" b="1" i="0" u="none" strike="noStrike" dirty="0">
@@ -42662,7 +42662,7 @@
                           <ns1:effectLst/>
                           <ns1:latin typeface="Calibri" panose="020F0502020204030204" pitchFamily="34" charset="0"/>
                         </ns1:rPr>
-                        <ns1:t>75</ns1:t>
+                        <ns1:t>67</ns1:t>
                       </ns1:r>
                       <ns1:r>
                         <ns1:rPr lang="en-GB" sz="1400" b="1" i="0" u="none" strike="noStrike" dirty="0">
@@ -42764,7 +42764,7 @@
                           <ns1:effectLst/>
                           <ns1:latin typeface="Calibri" panose="020F0502020204030204" pitchFamily="34" charset="0"/>
                         </ns1:rPr>
-                        <ns1:t>81</ns1:t>
+                        <ns1:t>73</ns1:t>
                       </ns1:r>
                       <ns1:r>
                         <ns1:rPr lang="en-GB" sz="1400" b="1" i="0" u="none" strike="noStrike" dirty="0">
@@ -42876,7 +42876,7 @@
                           <ns1:effectLst/>
                           <ns1:latin typeface="Calibri" panose="020F0502020204030204" pitchFamily="34" charset="0"/>
                         </ns1:rPr>
-                        <ns1:t>75</ns1:t>
+                        <ns1:t>40</ns1:t>
                       </ns1:r>
                       <ns1:r>
                         <ns1:rPr lang="en-GB" sz="1400" b="1" i="0" u="none" strike="noStrike" dirty="0">
@@ -42988,7 +42988,7 @@
                           <ns1:effectLst/>
                           <ns1:latin typeface="Calibri" panose="020F0502020204030204" pitchFamily="34" charset="0"/>
                         </ns1:rPr>
-                        <ns1:t>75</ns1:t>
+                        <ns1:t>40</ns1:t>
                       </ns1:r>
                       <ns1:r>
                         <ns1:rPr lang="en-GB" sz="1400" b="1" i="0" u="none" strike="noStrike" dirty="0">
@@ -43202,7 +43202,7 @@
                           <ns1:effectLst/>
                           <ns1:latin typeface="Calibri" panose="020F0502020204030204" pitchFamily="34" charset="0"/>
                         </ns1:rPr>
-                        <ns1:t>25</ns1:t>
+                        <ns1:t>32</ns1:t>
                       </ns1:r>
                       <ns1:r>
                         <ns1:rPr lang="tr-TR" sz="1400" b="1" i="0" u="none" strike="noStrike" dirty="0">
@@ -43324,7 +43324,7 @@
                           <ns1:effectLst/>
                           <ns1:latin typeface="Calibri" panose="020F0502020204030204" pitchFamily="34" charset="0"/>
                         </ns1:rPr>
-                        <ns1:t>48</ns1:t>
+                        <ns1:t>46</ns1:t>
                       </ns1:r>
                       <ns1:r>
                         <ns1:rPr lang="tr-TR" sz="1400" b="1" i="0" u="none" strike="noStrike" dirty="0">
@@ -43436,7 +43436,7 @@
                           <ns1:effectLst/>
                           <ns1:latin typeface="Calibri" panose="020F0502020204030204" pitchFamily="34" charset="0"/>
                         </ns1:rPr>
-                        <ns1:t>32</ns1:t>
+                        <ns1:t>40</ns1:t>
                       </ns1:r>
                       <ns1:r>
                         <ns1:rPr lang="tr-TR" sz="1400" b="1" i="0" u="none" strike="noStrike" dirty="0">
@@ -43781,7 +43781,7 @@
                 <ns1:effectLst/>
                 <ns1:latin typeface="Open Sans" panose="020B0606030504020204" pitchFamily="34" charset="0"/>
               </ns1:rPr>
-              <ns1:t>6 months after go live, 9 months after go live</ns1:t>
+              <ns1:t>3 months after go live, 1 year after go live</ns1:t>
             </ns1:r>
             <ns1:endParaRPr lang="en-GB" sz="1050" dirty="0">
               <ns1:solidFill>

--- a/questionare_output.pptx
+++ b/questionare_output.pptx
@@ -125,7 +125,7 @@
 </file>
 
 <file path=ppt/charts/chart1.xml><?xml version="1.0" encoding="utf-8"?>
-<c:chartSpace xmlns:c="http://schemas.openxmlformats.org/drawingml/2006/chart" xmlns:a="http://schemas.openxmlformats.org/drawingml/2006/main" xmlns:c16r2="http://schemas.microsoft.com/office/drawing/2015/06/chart" xmlns:r="http://schemas.openxmlformats.org/officeDocument/2006/relationships">
+<c:chartSpace xmlns:c="http://schemas.openxmlformats.org/drawingml/2006/chart" xmlns:a="http://schemas.openxmlformats.org/drawingml/2006/main" xmlns:r="http://schemas.openxmlformats.org/officeDocument/2006/relationships" xmlns:c16r2="http://schemas.microsoft.com/office/drawing/2015/06/chart">
   <c:date1904 val="0"/>
   <c:lang val="tr-TR"/>
   <c:roundedCorners val="0"/>
@@ -378,9 +378,9 @@
               <a:lstStyle/>
               <a:p>
                 <a:pPr>
-                  <a:defRPr sz="900" b="0" i="0" u="none" strike="noStrike" kern="1200" baseline="0">
+                  <a:defRPr sz="900" b="1" i="0" u="none" strike="noStrike" kern="1200" baseline="0">
                     <a:solidFill>
-                      <a:schemeClr val="bg2"/>
+                      <a:schemeClr val="tx1"/>
                     </a:solidFill>
                     <a:latin typeface="+mn-lt"/>
                     <a:ea typeface="+mn-ea"/>
@@ -451,42 +451,40 @@
             </c:strRef>
           </c:cat>
           <c:val>
-            <c:numRef>
-              <c:numCache>
-                <c:formatCode>"£"#,##0</c:formatCode>
-                <c:ptCount val="10"/>
-                <c:pt idx="0">
-                  <c:v/>
-                </c:pt>
-                <c:pt idx="1">
-                  <c:v/>
-                </c:pt>
-                <c:pt idx="2">
-                  <c:v>422968</c:v>
-                </c:pt>
-                <c:pt idx="3">
-                  <c:v>945</c:v>
-                </c:pt>
-                <c:pt idx="4">
-                  <c:v>9794</c:v>
-                </c:pt>
-                <c:pt idx="5">
-                  <c:v/>
-                </c:pt>
-                <c:pt idx="6">
-                  <c:v>243570</c:v>
-                </c:pt>
-                <c:pt idx="7">
-                  <c:v>283111</c:v>
-                </c:pt>
-                <c:pt idx="8">
-                  <c:v/>
-                </c:pt>
-                <c:pt idx="9">
-                  <c:v>162034</c:v>
-                </c:pt>
-              </c:numCache>
-            </c:numRef>
+            <c:numLit>
+              <c:formatCode>"£"#,##0</c:formatCode>
+              <c:ptCount val="10"/>
+              <c:pt idx="0">
+                <c:v>154461</c:v>
+              </c:pt>
+              <c:pt idx="1">
+                <c:v>15453</c:v>
+              </c:pt>
+              <c:pt idx="2">
+                <c:v>26400</c:v>
+              </c:pt>
+              <c:pt idx="3">
+                <c:v>3853</c:v>
+              </c:pt>
+              <c:pt idx="4">
+                <c:v>3017</c:v>
+              </c:pt>
+              <c:pt idx="5">
+                <c:v>925349</c:v>
+              </c:pt>
+              <c:pt idx="6">
+                <c:v>14344</c:v>
+              </c:pt>
+              <c:pt idx="7">
+                <c:v>454393</c:v>
+              </c:pt>
+              <c:pt idx="8">
+                <c:v>1210</c:v>
+              </c:pt>
+              <c:pt idx="9">
+                <c:v>1223748</c:v>
+              </c:pt>
+            </c:numLit>
           </c:val>
           <c:extLst>
             <c:ext xmlns:c16="http://schemas.microsoft.com/office/drawing/2014/chart" uri="{C3380CC4-5D6E-409C-BE32-E72D297353CC}">
@@ -1201,7 +1199,7 @@
           <a:p>
             <a:fld id="{22EE6207-6821-4DAB-B818-E4F4F6AB12F5}" type="datetimeFigureOut">
               <a:rPr lang="en-GB" smtClean="0"/>
-              <a:t>04/10/2024</a:t>
+              <a:t>07/10/2024</a:t>
             </a:fld>
             <a:endParaRPr lang="en-GB"/>
           </a:p>
@@ -1394,7 +1392,7 @@
           <a:p>
             <a:fld id="{5B936EE0-4F6D-274D-8902-95CDFEF84C8C}" type="datetimeFigureOut">
               <a:rPr lang="en-US" smtClean="0"/>
-              <a:t>10/4/2024</a:t>
+              <a:t>10/7/2024</a:t>
             </a:fld>
             <a:endParaRPr lang="en-US"/>
           </a:p>
@@ -2034,7 +2032,7 @@
           <a:p>
             <a:fld id="{98FAEBFC-AF3F-6E47-9766-48C2D7B36252}" type="datetime1">
               <a:rPr lang="en-GB" smtClean="0"/>
-              <a:t>04/10/2024</a:t>
+              <a:t>07/10/2024</a:t>
             </a:fld>
             <a:endParaRPr lang="en-GB"/>
           </a:p>
@@ -2349,7 +2347,7 @@
           <a:p>
             <a:fld id="{C7EFF3D0-6BED-D444-BEB4-872DDA21BA8D}" type="datetime1">
               <a:rPr lang="en-GB" smtClean="0"/>
-              <a:t>04/10/2024</a:t>
+              <a:t>07/10/2024</a:t>
             </a:fld>
             <a:endParaRPr lang="en-US"/>
           </a:p>
@@ -3467,7 +3465,7 @@
           <a:p>
             <a:fld id="{C7EFF3D0-6BED-D444-BEB4-872DDA21BA8D}" type="datetime1">
               <a:rPr lang="en-GB" smtClean="0"/>
-              <a:t>04/10/2024</a:t>
+              <a:t>07/10/2024</a:t>
             </a:fld>
             <a:endParaRPr lang="en-US"/>
           </a:p>
@@ -3934,7 +3932,7 @@
           <a:p>
             <a:fld id="{C7EFF3D0-6BED-D444-BEB4-872DDA21BA8D}" type="datetime1">
               <a:rPr lang="en-GB" smtClean="0"/>
-              <a:t>04/10/2024</a:t>
+              <a:t>07/10/2024</a:t>
             </a:fld>
             <a:endParaRPr lang="en-US"/>
           </a:p>
@@ -4585,7 +4583,7 @@
           <a:p>
             <a:fld id="{C7EFF3D0-6BED-D444-BEB4-872DDA21BA8D}" type="datetime1">
               <a:rPr lang="en-GB" smtClean="0"/>
-              <a:t>04/10/2024</a:t>
+              <a:t>07/10/2024</a:t>
             </a:fld>
             <a:endParaRPr lang="en-US"/>
           </a:p>
@@ -4996,7 +4994,7 @@
           <a:p>
             <a:fld id="{C7EFF3D0-6BED-D444-BEB4-872DDA21BA8D}" type="datetime1">
               <a:rPr lang="en-GB" smtClean="0"/>
-              <a:t>04/10/2024</a:t>
+              <a:t>07/10/2024</a:t>
             </a:fld>
             <a:endParaRPr lang="en-US"/>
           </a:p>
@@ -5497,7 +5495,7 @@
           <a:p>
             <a:fld id="{C7EFF3D0-6BED-D444-BEB4-872DDA21BA8D}" type="datetime1">
               <a:rPr lang="en-GB" smtClean="0"/>
-              <a:t>04/10/2024</a:t>
+              <a:t>07/10/2024</a:t>
             </a:fld>
             <a:endParaRPr lang="en-US"/>
           </a:p>
@@ -6227,7 +6225,7 @@
           <a:p>
             <a:fld id="{C7EFF3D0-6BED-D444-BEB4-872DDA21BA8D}" type="datetime1">
               <a:rPr lang="en-GB" smtClean="0"/>
-              <a:t>04/10/2024</a:t>
+              <a:t>07/10/2024</a:t>
             </a:fld>
             <a:endParaRPr lang="en-US"/>
           </a:p>
@@ -7053,7 +7051,7 @@
           <a:p>
             <a:fld id="{C7EFF3D0-6BED-D444-BEB4-872DDA21BA8D}" type="datetime1">
               <a:rPr lang="en-GB" smtClean="0"/>
-              <a:t>04/10/2024</a:t>
+              <a:t>07/10/2024</a:t>
             </a:fld>
             <a:endParaRPr lang="en-US"/>
           </a:p>
@@ -9076,7 +9074,7 @@
           <a:p>
             <a:fld id="{C7EFF3D0-6BED-D444-BEB4-872DDA21BA8D}" type="datetime1">
               <a:rPr lang="en-GB" smtClean="0"/>
-              <a:t>04/10/2024</a:t>
+              <a:t>07/10/2024</a:t>
             </a:fld>
             <a:endParaRPr lang="en-US"/>
           </a:p>
@@ -9702,7 +9700,7 @@
           <a:p>
             <a:fld id="{C7EFF3D0-6BED-D444-BEB4-872DDA21BA8D}" type="datetime1">
               <a:rPr lang="en-GB" smtClean="0"/>
-              <a:t>04/10/2024</a:t>
+              <a:t>07/10/2024</a:t>
             </a:fld>
             <a:endParaRPr lang="en-US"/>
           </a:p>
@@ -10675,7 +10673,7 @@
           <a:p>
             <a:fld id="{98FAEBFC-AF3F-6E47-9766-48C2D7B36252}" type="datetime1">
               <a:rPr lang="en-GB" smtClean="0"/>
-              <a:t>04/10/2024</a:t>
+              <a:t>07/10/2024</a:t>
             </a:fld>
             <a:endParaRPr lang="en-GB"/>
           </a:p>
@@ -11394,7 +11392,7 @@
           <a:p>
             <a:fld id="{C7EFF3D0-6BED-D444-BEB4-872DDA21BA8D}" type="datetime1">
               <a:rPr lang="en-GB" smtClean="0"/>
-              <a:t>04/10/2024</a:t>
+              <a:t>07/10/2024</a:t>
             </a:fld>
             <a:endParaRPr lang="en-US"/>
           </a:p>
@@ -12214,7 +12212,7 @@
           <a:p>
             <a:fld id="{C7EFF3D0-6BED-D444-BEB4-872DDA21BA8D}" type="datetime1">
               <a:rPr lang="en-GB" smtClean="0"/>
-              <a:t>04/10/2024</a:t>
+              <a:t>07/10/2024</a:t>
             </a:fld>
             <a:endParaRPr lang="en-US"/>
           </a:p>
@@ -13013,7 +13011,7 @@
           <a:p>
             <a:fld id="{C7EFF3D0-6BED-D444-BEB4-872DDA21BA8D}" type="datetime1">
               <a:rPr lang="en-GB" smtClean="0"/>
-              <a:t>04/10/2024</a:t>
+              <a:t>07/10/2024</a:t>
             </a:fld>
             <a:endParaRPr lang="en-US"/>
           </a:p>
@@ -13780,7 +13778,7 @@
           <a:p>
             <a:fld id="{C7EFF3D0-6BED-D444-BEB4-872DDA21BA8D}" type="datetime1">
               <a:rPr lang="en-GB" smtClean="0"/>
-              <a:t>04/10/2024</a:t>
+              <a:t>07/10/2024</a:t>
             </a:fld>
             <a:endParaRPr lang="en-US"/>
           </a:p>
@@ -14347,7 +14345,7 @@
           <a:p>
             <a:fld id="{C7EFF3D0-6BED-D444-BEB4-872DDA21BA8D}" type="datetime1">
               <a:rPr lang="en-GB" smtClean="0"/>
-              <a:t>04/10/2024</a:t>
+              <a:t>07/10/2024</a:t>
             </a:fld>
             <a:endParaRPr lang="en-US"/>
           </a:p>
@@ -14911,7 +14909,7 @@
           <a:p>
             <a:fld id="{C7EFF3D0-6BED-D444-BEB4-872DDA21BA8D}" type="datetime1">
               <a:rPr lang="en-GB" smtClean="0"/>
-              <a:t>04/10/2024</a:t>
+              <a:t>07/10/2024</a:t>
             </a:fld>
             <a:endParaRPr lang="en-US"/>
           </a:p>
@@ -15522,7 +15520,7 @@
           <a:p>
             <a:fld id="{C7EFF3D0-6BED-D444-BEB4-872DDA21BA8D}" type="datetime1">
               <a:rPr lang="en-GB" smtClean="0"/>
-              <a:t>04/10/2024</a:t>
+              <a:t>07/10/2024</a:t>
             </a:fld>
             <a:endParaRPr lang="en-US"/>
           </a:p>
@@ -16258,7 +16256,7 @@
           <a:p>
             <a:fld id="{C7EFF3D0-6BED-D444-BEB4-872DDA21BA8D}" type="datetime1">
               <a:rPr lang="en-GB" smtClean="0"/>
-              <a:t>04/10/2024</a:t>
+              <a:t>07/10/2024</a:t>
             </a:fld>
             <a:endParaRPr lang="en-US"/>
           </a:p>
@@ -16629,7 +16627,7 @@
           <a:p>
             <a:fld id="{C7EFF3D0-6BED-D444-BEB4-872DDA21BA8D}" type="datetime1">
               <a:rPr lang="en-GB" smtClean="0"/>
-              <a:t>04/10/2024</a:t>
+              <a:t>07/10/2024</a:t>
             </a:fld>
             <a:endParaRPr lang="en-US"/>
           </a:p>
@@ -17029,7 +17027,7 @@
           <a:p>
             <a:fld id="{C7EFF3D0-6BED-D444-BEB4-872DDA21BA8D}" type="datetime1">
               <a:rPr lang="en-GB" smtClean="0"/>
-              <a:t>04/10/2024</a:t>
+              <a:t>07/10/2024</a:t>
             </a:fld>
             <a:endParaRPr lang="en-US"/>
           </a:p>
@@ -18027,7 +18025,7 @@
           <a:p>
             <a:fld id="{98FAEBFC-AF3F-6E47-9766-48C2D7B36252}" type="datetime1">
               <a:rPr lang="en-GB" smtClean="0"/>
-              <a:t>04/10/2024</a:t>
+              <a:t>07/10/2024</a:t>
             </a:fld>
             <a:endParaRPr lang="en-GB"/>
           </a:p>
@@ -18581,7 +18579,7 @@
           <a:p>
             <a:fld id="{C7EFF3D0-6BED-D444-BEB4-872DDA21BA8D}" type="datetime1">
               <a:rPr lang="en-GB" smtClean="0"/>
-              <a:t>04/10/2024</a:t>
+              <a:t>07/10/2024</a:t>
             </a:fld>
             <a:endParaRPr lang="en-US"/>
           </a:p>
@@ -19323,7 +19321,7 @@
           <a:p>
             <a:fld id="{C7EFF3D0-6BED-D444-BEB4-872DDA21BA8D}" type="datetime1">
               <a:rPr lang="en-GB" smtClean="0"/>
-              <a:t>04/10/2024</a:t>
+              <a:t>07/10/2024</a:t>
             </a:fld>
             <a:endParaRPr lang="en-US"/>
           </a:p>
@@ -20266,7 +20264,7 @@
           <a:p>
             <a:fld id="{C7EFF3D0-6BED-D444-BEB4-872DDA21BA8D}" type="datetime1">
               <a:rPr lang="en-GB" smtClean="0"/>
-              <a:t>04/10/2024</a:t>
+              <a:t>07/10/2024</a:t>
             </a:fld>
             <a:endParaRPr lang="en-US"/>
           </a:p>
@@ -20822,7 +20820,7 @@
           <a:p>
             <a:fld id="{C7EFF3D0-6BED-D444-BEB4-872DDA21BA8D}" type="datetime1">
               <a:rPr lang="en-GB" smtClean="0"/>
-              <a:t>04/10/2024</a:t>
+              <a:t>07/10/2024</a:t>
             </a:fld>
             <a:endParaRPr lang="en-US"/>
           </a:p>
@@ -21372,7 +21370,7 @@
           <a:p>
             <a:fld id="{C7EFF3D0-6BED-D444-BEB4-872DDA21BA8D}" type="datetime1">
               <a:rPr lang="en-GB" smtClean="0"/>
-              <a:t>04/10/2024</a:t>
+              <a:t>07/10/2024</a:t>
             </a:fld>
             <a:endParaRPr lang="en-US"/>
           </a:p>
@@ -22157,7 +22155,7 @@
           <a:p>
             <a:fld id="{C7EFF3D0-6BED-D444-BEB4-872DDA21BA8D}" type="datetime1">
               <a:rPr lang="en-GB" smtClean="0"/>
-              <a:t>04/10/2024</a:t>
+              <a:t>07/10/2024</a:t>
             </a:fld>
             <a:endParaRPr lang="en-US"/>
           </a:p>
@@ -22921,7 +22919,7 @@
           <a:p>
             <a:fld id="{C7EFF3D0-6BED-D444-BEB4-872DDA21BA8D}" type="datetime1">
               <a:rPr lang="en-GB" smtClean="0"/>
-              <a:t>04/10/2024</a:t>
+              <a:t>07/10/2024</a:t>
             </a:fld>
             <a:endParaRPr lang="en-US"/>
           </a:p>
@@ -23637,7 +23635,7 @@
           <a:p>
             <a:fld id="{C7EFF3D0-6BED-D444-BEB4-872DDA21BA8D}" type="datetime1">
               <a:rPr lang="en-GB" smtClean="0"/>
-              <a:t>04/10/2024</a:t>
+              <a:t>07/10/2024</a:t>
             </a:fld>
             <a:endParaRPr lang="en-US"/>
           </a:p>
@@ -24036,7 +24034,7 @@
           <a:p>
             <a:fld id="{C7EFF3D0-6BED-D444-BEB4-872DDA21BA8D}" type="datetime1">
               <a:rPr lang="en-GB" smtClean="0"/>
-              <a:t>04/10/2024</a:t>
+              <a:t>07/10/2024</a:t>
             </a:fld>
             <a:endParaRPr lang="en-US"/>
           </a:p>
@@ -24348,7 +24346,7 @@
           <a:p>
             <a:fld id="{C7EFF3D0-6BED-D444-BEB4-872DDA21BA8D}" type="datetime1">
               <a:rPr lang="en-GB" smtClean="0"/>
-              <a:t>04/10/2024</a:t>
+              <a:t>07/10/2024</a:t>
             </a:fld>
             <a:endParaRPr lang="en-US"/>
           </a:p>
@@ -24818,7 +24816,7 @@
           <a:p>
             <a:fld id="{D3ECCBB8-735C-914B-8E67-7852CBBDF7EA}" type="datetime1">
               <a:rPr lang="en-GB" smtClean="0"/>
-              <a:t>04/10/2024</a:t>
+              <a:t>07/10/2024</a:t>
             </a:fld>
             <a:endParaRPr lang="en-GB"/>
           </a:p>
@@ -25504,7 +25502,7 @@
           <a:p>
             <a:fld id="{C7EFF3D0-6BED-D444-BEB4-872DDA21BA8D}" type="datetime1">
               <a:rPr lang="en-GB" smtClean="0"/>
-              <a:t>04/10/2024</a:t>
+              <a:t>07/10/2024</a:t>
             </a:fld>
             <a:endParaRPr lang="en-US"/>
           </a:p>
@@ -25777,7 +25775,7 @@
           <a:p>
             <a:fld id="{C7EFF3D0-6BED-D444-BEB4-872DDA21BA8D}" type="datetime1">
               <a:rPr lang="en-GB" smtClean="0"/>
-              <a:t>04/10/2024</a:t>
+              <a:t>07/10/2024</a:t>
             </a:fld>
             <a:endParaRPr lang="en-US"/>
           </a:p>
@@ -26042,7 +26040,7 @@
           <a:p>
             <a:fld id="{C7EFF3D0-6BED-D444-BEB4-872DDA21BA8D}" type="datetime1">
               <a:rPr lang="en-GB" smtClean="0"/>
-              <a:t>04/10/2024</a:t>
+              <a:t>07/10/2024</a:t>
             </a:fld>
             <a:endParaRPr lang="en-US"/>
           </a:p>
@@ -26434,7 +26432,7 @@
           <a:p>
             <a:fld id="{C7EFF3D0-6BED-D444-BEB4-872DDA21BA8D}" type="datetime1">
               <a:rPr lang="en-GB" smtClean="0"/>
-              <a:t>04/10/2024</a:t>
+              <a:t>07/10/2024</a:t>
             </a:fld>
             <a:endParaRPr lang="en-US"/>
           </a:p>
@@ -26826,7 +26824,7 @@
           <a:p>
             <a:fld id="{C7EFF3D0-6BED-D444-BEB4-872DDA21BA8D}" type="datetime1">
               <a:rPr lang="en-GB" smtClean="0"/>
-              <a:t>04/10/2024</a:t>
+              <a:t>07/10/2024</a:t>
             </a:fld>
             <a:endParaRPr lang="en-US"/>
           </a:p>
@@ -27707,7 +27705,7 @@
           <a:p>
             <a:fld id="{C7EFF3D0-6BED-D444-BEB4-872DDA21BA8D}" type="datetime1">
               <a:rPr lang="en-GB" smtClean="0"/>
-              <a:t>04/10/2024</a:t>
+              <a:t>07/10/2024</a:t>
             </a:fld>
             <a:endParaRPr lang="en-US"/>
           </a:p>
@@ -27868,7 +27866,7 @@
           <a:p>
             <a:fld id="{C7EFF3D0-6BED-D444-BEB4-872DDA21BA8D}" type="datetime1">
               <a:rPr lang="en-GB" smtClean="0"/>
-              <a:t>04/10/2024</a:t>
+              <a:t>07/10/2024</a:t>
             </a:fld>
             <a:endParaRPr lang="en-US"/>
           </a:p>
@@ -28625,7 +28623,7 @@
           <a:p>
             <a:fld id="{C7EFF3D0-6BED-D444-BEB4-872DDA21BA8D}" type="datetime1">
               <a:rPr lang="en-GB" smtClean="0"/>
-              <a:t>04/10/2024</a:t>
+              <a:t>07/10/2024</a:t>
             </a:fld>
             <a:endParaRPr lang="en-US"/>
           </a:p>
@@ -28911,7 +28909,7 @@
           <a:p>
             <a:fld id="{C7EFF3D0-6BED-D444-BEB4-872DDA21BA8D}" type="datetime1">
               <a:rPr lang="en-GB" smtClean="0"/>
-              <a:t>04/10/2024</a:t>
+              <a:t>07/10/2024</a:t>
             </a:fld>
             <a:endParaRPr lang="en-US"/>
           </a:p>
@@ -29677,7 +29675,7 @@
           <a:p>
             <a:fld id="{C7EFF3D0-6BED-D444-BEB4-872DDA21BA8D}" type="datetime1">
               <a:rPr lang="en-GB" smtClean="0"/>
-              <a:t>04/10/2024</a:t>
+              <a:t>07/10/2024</a:t>
             </a:fld>
             <a:endParaRPr lang="en-US"/>
           </a:p>
@@ -30600,7 +30598,7 @@
           <a:p>
             <a:fld id="{D3ECCBB8-735C-914B-8E67-7852CBBDF7EA}" type="datetime1">
               <a:rPr lang="en-GB" smtClean="0"/>
-              <a:t>04/10/2024</a:t>
+              <a:t>07/10/2024</a:t>
             </a:fld>
             <a:endParaRPr lang="en-GB"/>
           </a:p>
@@ -31538,7 +31536,7 @@
           <a:p>
             <a:fld id="{D3ECCBB8-735C-914B-8E67-7852CBBDF7EA}" type="datetime1">
               <a:rPr lang="en-GB" smtClean="0"/>
-              <a:t>04/10/2024</a:t>
+              <a:t>07/10/2024</a:t>
             </a:fld>
             <a:endParaRPr lang="en-GB"/>
           </a:p>
@@ -32484,7 +32482,7 @@
           <a:p>
             <a:fld id="{D3ECCBB8-735C-914B-8E67-7852CBBDF7EA}" type="datetime1">
               <a:rPr lang="en-GB" smtClean="0"/>
-              <a:t>04/10/2024</a:t>
+              <a:t>07/10/2024</a:t>
             </a:fld>
             <a:endParaRPr lang="en-GB"/>
           </a:p>
@@ -33195,7 +33193,7 @@
           <a:p>
             <a:fld id="{C7EFF3D0-6BED-D444-BEB4-872DDA21BA8D}" type="datetime1">
               <a:rPr lang="en-GB" smtClean="0"/>
-              <a:t>04/10/2024</a:t>
+              <a:t>07/10/2024</a:t>
             </a:fld>
             <a:endParaRPr lang="en-US"/>
           </a:p>
@@ -35199,7 +35197,7 @@
           <a:p>
             <a:fld id="{C7EFF3D0-6BED-D444-BEB4-872DDA21BA8D}" type="datetime1">
               <a:rPr lang="en-GB" smtClean="0"/>
-              <a:t>04/10/2024</a:t>
+              <a:t>07/10/2024</a:t>
             </a:fld>
             <a:endParaRPr lang="en-US"/>
           </a:p>
@@ -38304,7 +38302,7 @@
           <a:p>
             <a:fld id="{D63005AE-A14B-7B48-9AF5-01E333747121}" type="datetime1">
               <a:rPr lang="en-GB" smtClean="0"/>
-              <a:t>04/10/2024</a:t>
+              <a:t>07/10/2024</a:t>
             </a:fld>
             <a:endParaRPr lang="en-GB"/>
           </a:p>
@@ -38979,7 +38977,7 @@
               <ns1:rPr lang="tr-TR" dirty="0" err="1">
                 <ns1:latin typeface="Montserrat SemiBold"/>
               </ns1:rPr>
-              <ns1:t>Digiblue</ns1:t>
+              <ns1:t>3Digi</ns1:t>
             </ns1:r>
             <ns1:r>
               <ns1:rPr lang="en-US" dirty="0">
@@ -39755,7 +39753,7 @@
           <ns0:nvPr>
             <ns0:extLst>
               <ns0:ext uri="{D42A27DB-BD31-4B8C-83A1-F6EECF244321}">
-                <ns3:modId val="2795410839"/>
+                <ns3:modId val="3515825187"/>
               </ns0:ext>
             </ns0:extLst>
           </ns0:nvPr>
@@ -40029,7 +40027,7 @@
                   <ns1:effectLst/>
                   <ns1:latin typeface="Open Sans" panose="020B0606030504020204" pitchFamily="34" charset="0"/>
                 </ns1:rPr>
-                <ns1:t>32,389</ns1:t>
+                <ns1:t>0</ns1:t>
               </ns1:r>
               <ns1:endParaRPr lang="en-GB" sz="1000" b="1" i="0" u="none" strike="noStrike" dirty="0">
                 <ns1:solidFill>
@@ -40435,7 +40433,7 @@
                   <ns1:effectLst/>
                   <ns1:latin typeface="Open Sans" panose="020B0606030504020204" pitchFamily="34" charset="0"/>
                 </ns1:rPr>
-                <ns1:t>28,547</ns1:t>
+                <ns1:t>0</ns1:t>
               </ns1:r>
               <ns1:endParaRPr lang="en-GB" sz="1000" b="1" i="0" u="none" strike="noStrike" dirty="0">
                 <ns1:solidFill>
@@ -40619,7 +40617,7 @@
                   </ns1:solidFill>
                   <ns1:latin typeface="Open Sans" panose="020B0606030504020204" pitchFamily="34" charset="0"/>
                 </ns1:rPr>
-                <ns1:t>243,570</ns1:t>
+                <ns1:t>320,906</ns1:t>
               </ns1:r>
               <ns1:endParaRPr lang="en-GB" sz="1000" b="1" i="0" u="none" strike="noStrike" dirty="0">
                 <ns1:solidFill>
@@ -40794,7 +40792,7 @@
                   <ns1:effectLst/>
                   <ns1:latin typeface="Open Sans" panose="020B0606030504020204" pitchFamily="34" charset="0"/>
                 </ns1:rPr>
-                <ns1:t>422,968</ns1:t>
+                <ns1:t>0</ns1:t>
               </ns1:r>
               <ns1:endParaRPr lang="en-GB" sz="1000" b="1" i="0" u="none" strike="noStrike" dirty="0">
                 <ns1:solidFill>
@@ -40979,7 +40977,7 @@
                   <ns1:effectLst/>
                   <ns1:latin typeface="Open Sans" panose="020B0606030504020204" pitchFamily="34" charset="0"/>
                 </ns1:rPr>
-                <ns1:t>945</ns1:t>
+                <ns1:t>7,247</ns1:t>
               </ns1:r>
               <ns1:endParaRPr lang="en-GB" sz="1000" b="1" i="0" u="none" strike="noStrike" dirty="0">
                 <ns1:solidFill>
@@ -41122,7 +41120,7 @@
                   <ns1:effectLst/>
                   <ns1:latin typeface="Open Sans" panose="020B0606030504020204" pitchFamily="34" charset="0"/>
                 </ns1:rPr>
-                <ns1:t>9,794</ns1:t>
+                <ns1:t>3,976</ns1:t>
               </ns1:r>
               <ns1:endParaRPr lang="en-GB" sz="1000" b="1" i="0" u="none" strike="noStrike" dirty="0">
                 <ns1:solidFill>
@@ -41492,7 +41490,7 @@
                   <ns1:effectLst/>
                   <ns1:latin typeface="Open Sans" panose="020B0606030504020204" pitchFamily="34" charset="0"/>
                 </ns1:rPr>
-                <ns1:t>283,111</ns1:t>
+                <ns1:t>0</ns1:t>
               </ns1:r>
               <ns1:endParaRPr lang="en-GB" sz="1000" b="1" i="0" u="none" strike="noStrike" dirty="0">
                 <ns1:solidFill>
@@ -41842,7 +41840,7 @@
                   <ns1:effectLst/>
                   <ns1:latin typeface="Open Sans" panose="020B0606030504020204" pitchFamily="34" charset="0"/>
                 </ns1:rPr>
-                <ns1:t>0</ns1:t>
+                <ns1:t>332,129</ns1:t>
               </ns1:r>
               <ns1:endParaRPr lang="en-GB" sz="1000" b="0" i="0" u="none" strike="noStrike" dirty="0">
                 <ns1:solidFill>
@@ -42233,14 +42231,14 @@
           <ns0:nvPr>
             <ns0:extLst>
               <ns0:ext uri="{D42A27DB-BD31-4B8C-83A1-F6EECF244321}">
-                <ns3:modId val="18458189"/>
+                <ns3:modId val="2916734357"/>
               </ns0:ext>
             </ns0:extLst>
           </ns0:nvPr>
         </ns0:nvGraphicFramePr>
         <ns0:xfrm>
           <ns1:off x="695326" y="1421296"/>
-          <ns1:ext cx="8387560" cy="3975352"/>
+          <ns1:ext cx="8387560" cy="3636278"/>
         </ns0:xfrm>
         <ns1:graphic>
           <ns1:graphicData uri="http://schemas.openxmlformats.org/drawingml/2006/table">
@@ -42432,7 +42430,7 @@
                           <ns1:effectLst/>
                           <ns1:latin typeface="Calibri" panose="020F0502020204030204" pitchFamily="34" charset="0"/>
                         </ns1:rPr>
-                        <ns1:t>100</ns1:t>
+                        <ns1:t>0</ns1:t>
                       </ns1:r>
                       <ns1:r>
                         <ns1:rPr lang="en-GB" sz="1400" b="1" i="0" u="none" strike="noStrike" dirty="0">
@@ -42550,7 +42548,7 @@
                           <ns1:effectLst/>
                           <ns1:latin typeface="Calibri" panose="020F0502020204030204" pitchFamily="34" charset="0"/>
                         </ns1:rPr>
-                        <ns1:t>50</ns1:t>
+                        <ns1:t>0</ns1:t>
                       </ns1:r>
                       <ns1:r>
                         <ns1:rPr lang="en-GB" sz="1400" b="1" i="0" u="none" strike="noStrike" dirty="0">
@@ -42662,7 +42660,7 @@
                           <ns1:effectLst/>
                           <ns1:latin typeface="Calibri" panose="020F0502020204030204" pitchFamily="34" charset="0"/>
                         </ns1:rPr>
-                        <ns1:t>67</ns1:t>
+                        <ns1:t>0</ns1:t>
                       </ns1:r>
                       <ns1:r>
                         <ns1:rPr lang="en-GB" sz="1400" b="1" i="0" u="none" strike="noStrike" dirty="0">
@@ -42764,7 +42762,7 @@
                           <ns1:effectLst/>
                           <ns1:latin typeface="Calibri" panose="020F0502020204030204" pitchFamily="34" charset="0"/>
                         </ns1:rPr>
-                        <ns1:t>73</ns1:t>
+                        <ns1:t>0</ns1:t>
                       </ns1:r>
                       <ns1:r>
                         <ns1:rPr lang="en-GB" sz="1400" b="1" i="0" u="none" strike="noStrike" dirty="0">
@@ -42876,7 +42874,7 @@
                           <ns1:effectLst/>
                           <ns1:latin typeface="Calibri" panose="020F0502020204030204" pitchFamily="34" charset="0"/>
                         </ns1:rPr>
-                        <ns1:t>40</ns1:t>
+                        <ns1:t>60</ns1:t>
                       </ns1:r>
                       <ns1:r>
                         <ns1:rPr lang="en-GB" sz="1400" b="1" i="0" u="none" strike="noStrike" dirty="0">
@@ -42918,118 +42916,6 @@
                 <ns1:extLst>
                   <ns1:ext uri="{0D108BD9-81ED-4DB2-BD59-A6C34878D82A}">
                     <ns2:rowId val="1338959055"/>
-                  </ns1:ext>
-                </ns1:extLst>
-              </ns1:tr>
-              <ns1:tr h="339074">
-                <ns1:tc>
-                  <ns1:txBody>
-                    <ns1:bodyPr/>
-                    <ns1:lstStyle/>
-                    <ns1:p>
-                      <ns1:pPr algn="l" fontAlgn="ctr"/>
-                      <ns1:r>
-                        <ns1:rPr lang="en-US" sz="1050" b="0" i="0" u="none" strike="noStrike" dirty="0">
-                          <ns1:solidFill>
-                            <ns1:schemeClr val="tx1">
-                              <ns1:lumMod val="50000"/>
-                              <ns1:lumOff val="50000"/>
-                            </ns1:schemeClr>
-                          </ns1:solidFill>
-                          <ns1:effectLst/>
-                          <ns1:latin typeface="Open Sans" panose="020B0606030504020204" pitchFamily="34" charset="0"/>
-                        </ns1:rPr>
-                        <ns1:t>Managing Maverick spend &amp; Spend leakage</ns1:t>
-                      </ns1:r>
-                      <ns1:endParaRPr lang="en-GB" sz="1050" b="0" i="0" u="none" strike="noStrike" dirty="0">
-                        <ns1:solidFill>
-                          <ns1:schemeClr val="tx1">
-                            <ns1:lumMod val="50000"/>
-                            <ns1:lumOff val="50000"/>
-                          </ns1:schemeClr>
-                        </ns1:solidFill>
-                        <ns1:effectLst/>
-                        <ns1:latin typeface="Open Sans" panose="020B0606030504020204" pitchFamily="34" charset="0"/>
-                      </ns1:endParaRPr>
-                    </ns1:p>
-                  </ns1:txBody>
-                  <ns1:tcPr marL="9525" marR="9525" marT="9525" marB="0" anchor="ctr">
-                    <ns1:lnL>
-                      <ns1:noFill/>
-                    </ns1:lnL>
-                    <ns1:lnR>
-                      <ns1:noFill/>
-                    </ns1:lnR>
-                    <ns1:lnT>
-                      <ns1:noFill/>
-                    </ns1:lnT>
-                    <ns1:lnB>
-                      <ns1:noFill/>
-                    </ns1:lnB>
-                    <ns1:solidFill>
-                      <ns1:schemeClr val="bg1"/>
-                    </ns1:solidFill>
-                  </ns1:tcPr>
-                </ns1:tc>
-                <ns1:tc>
-                  <ns1:txBody>
-                    <ns1:bodyPr/>
-                    <ns1:lstStyle/>
-                    <ns1:p>
-                      <ns1:pPr algn="l" fontAlgn="b"/>
-                      <ns1:r>
-                        <ns1:rPr lang="tr-TR" sz="1400" b="1" i="0" u="none" strike="noStrike" dirty="0" err="1">
-                          <ns1:solidFill>
-                            <ns1:schemeClr val="tx1">
-                              <ns1:lumMod val="50000"/>
-                              <ns1:lumOff val="50000"/>
-                            </ns1:schemeClr>
-                          </ns1:solidFill>
-                          <ns1:effectLst/>
-                          <ns1:latin typeface="Calibri" panose="020F0502020204030204" pitchFamily="34" charset="0"/>
-                        </ns1:rPr>
-                        <ns1:t>40</ns1:t>
-                      </ns1:r>
-                      <ns1:r>
-                        <ns1:rPr lang="en-GB" sz="1400" b="1" i="0" u="none" strike="noStrike" dirty="0">
-                          <ns1:solidFill>
-                            <ns1:schemeClr val="tx1">
-                              <ns1:lumMod val="50000"/>
-                              <ns1:lumOff val="50000"/>
-                            </ns1:schemeClr>
-                          </ns1:solidFill>
-                          <ns1:effectLst/>
-                          <ns1:latin typeface="Calibri" panose="020F0502020204030204" pitchFamily="34" charset="0"/>
-                        </ns1:rPr>
-                        <ns1:t>%</ns1:t>
-                      </ns1:r>
-                    </ns1:p>
-                  </ns1:txBody>
-                  <ns1:tcPr marL="9525" marR="9525" marT="9525" marB="0" anchor="ctr">
-                    <ns1:lnL w="6350" cap="flat" cmpd="sng" algn="ctr">
-                      <ns1:noFill/>
-                      <ns1:prstDash val="solid"/>
-                      <ns1:round/>
-                      <ns1:headEnd type="none" w="med" len="med"/>
-                      <ns1:tailEnd type="none" w="med" len="med"/>
-                    </ns1:lnL>
-                    <ns1:lnR>
-                      <ns1:noFill/>
-                    </ns1:lnR>
-                    <ns1:lnT>
-                      <ns1:noFill/>
-                    </ns1:lnT>
-                    <ns1:lnB>
-                      <ns1:noFill/>
-                    </ns1:lnB>
-                    <ns1:solidFill>
-                      <ns1:schemeClr val="bg1"/>
-                    </ns1:solidFill>
-                  </ns1:tcPr>
-                </ns1:tc>
-                <ns1:extLst>
-                  <ns1:ext uri="{0D108BD9-81ED-4DB2-BD59-A6C34878D82A}">
-                    <ns2:rowId val="1487500770"/>
                   </ns1:ext>
                 </ns1:extLst>
               </ns1:tr>
@@ -43100,7 +42986,7 @@
                           <ns1:effectLst/>
                           <ns1:latin typeface="Calibri" panose="020F0502020204030204" pitchFamily="34" charset="0"/>
                         </ns1:rPr>
-                        <ns1:t>99</ns1:t>
+                        <ns1:t>0</ns1:t>
                       </ns1:r>
                       <ns1:r>
                         <ns1:rPr lang="en-GB" sz="1400" b="1" i="0" u="none" strike="noStrike" dirty="0">
@@ -43202,7 +43088,7 @@
                           <ns1:effectLst/>
                           <ns1:latin typeface="Calibri" panose="020F0502020204030204" pitchFamily="34" charset="0"/>
                         </ns1:rPr>
-                        <ns1:t>32</ns1:t>
+                        <ns1:t>67</ns1:t>
                       </ns1:r>
                       <ns1:r>
                         <ns1:rPr lang="tr-TR" sz="1400" b="1" i="0" u="none" strike="noStrike" dirty="0">
@@ -43324,7 +43210,7 @@
                           <ns1:effectLst/>
                           <ns1:latin typeface="Calibri" panose="020F0502020204030204" pitchFamily="34" charset="0"/>
                         </ns1:rPr>
-                        <ns1:t>46</ns1:t>
+                        <ns1:t>0</ns1:t>
                       </ns1:r>
                       <ns1:r>
                         <ns1:rPr lang="tr-TR" sz="1400" b="1" i="0" u="none" strike="noStrike" dirty="0">
@@ -43436,7 +43322,7 @@
                           <ns1:effectLst/>
                           <ns1:latin typeface="Calibri" panose="020F0502020204030204" pitchFamily="34" charset="0"/>
                         </ns1:rPr>
-                        <ns1:t>40</ns1:t>
+                        <ns1:t>0</ns1:t>
                       </ns1:r>
                       <ns1:r>
                         <ns1:rPr lang="tr-TR" sz="1400" b="1" i="0" u="none" strike="noStrike" dirty="0">
@@ -43781,7 +43667,7 @@
                 <ns1:effectLst/>
                 <ns1:latin typeface="Open Sans" panose="020B0606030504020204" pitchFamily="34" charset="0"/>
               </ns1:rPr>
-              <ns1:t>3 months after go live, 1 year after go live</ns1:t>
+              <ns1:t>3 months after go live, 6 months after go live</ns1:t>
             </ns1:r>
             <ns1:endParaRPr lang="en-GB" sz="1050" dirty="0">
               <ns1:solidFill>
@@ -44679,6 +44565,15 @@
 </file>
 
 <file path=customXml/item1.xml><?xml version="1.0" encoding="utf-8"?>
+<?mso-contentType ?>
+<FormTemplates xmlns="http://schemas.microsoft.com/sharepoint/v3/contenttype/forms">
+  <Display>DocumentLibraryForm</Display>
+  <Edit>DocumentLibraryForm</Edit>
+  <New>DocumentLibraryForm</New>
+</FormTemplates>
+</file>
+
+<file path=customXml/item2.xml><?xml version="1.0" encoding="utf-8"?>
 <ct:contentTypeSchema xmlns:ct="http://schemas.microsoft.com/office/2006/metadata/contentType" xmlns:ma="http://schemas.microsoft.com/office/2006/metadata/properties/metaAttributes" ct:_="" ma:_="" ma:contentTypeName="Document" ma:contentTypeID="0x010100FC2ADAF580B8A648AEA7FF4A5F3D65E6" ma:contentTypeVersion="11" ma:contentTypeDescription="Create a new document." ma:contentTypeScope="" ma:versionID="f2db5c34f6348a370055c14b94ddc919">
   <xsd:schema xmlns:xsd="http://www.w3.org/2001/XMLSchema" xmlns:xs="http://www.w3.org/2001/XMLSchema" xmlns:p="http://schemas.microsoft.com/office/2006/metadata/properties" xmlns:ns2="8a969d1d-647f-4e4c-97f9-a5143e71e435" xmlns:ns3="eb37a4e0-bf89-419d-8b31-963a97458fb1" targetNamespace="http://schemas.microsoft.com/office/2006/metadata/properties" ma:root="true" ma:fieldsID="42bedbc2e246c6b2e71d78ed3d4618fc" ns2:_="" ns3:_="">
     <xsd:import namespace="8a969d1d-647f-4e4c-97f9-a5143e71e435"/>
@@ -44873,7 +44768,7 @@
 </ct:contentTypeSchema>
 </file>
 
-<file path=customXml/item2.xml><?xml version="1.0" encoding="utf-8"?>
+<file path=customXml/item3.xml><?xml version="1.0" encoding="utf-8"?>
 <p:properties xmlns:p="http://schemas.microsoft.com/office/2006/metadata/properties" xmlns:xsi="http://www.w3.org/2001/XMLSchema-instance" xmlns:pc="http://schemas.microsoft.com/office/infopath/2007/PartnerControls">
   <documentManagement>
     <lcf76f155ced4ddcb4097134ff3c332f xmlns="8a969d1d-647f-4e4c-97f9-a5143e71e435">
@@ -44884,16 +44779,15 @@
 </p:properties>
 </file>
 
-<file path=customXml/item3.xml><?xml version="1.0" encoding="utf-8"?>
-<?mso-contentType ?>
-<FormTemplates xmlns="http://schemas.microsoft.com/sharepoint/v3/contenttype/forms">
-  <Display>DocumentLibraryForm</Display>
-  <Edit>DocumentLibraryForm</Edit>
-  <New>DocumentLibraryForm</New>
-</FormTemplates>
+<file path=customXml/itemProps1.xml><?xml version="1.0" encoding="utf-8"?>
+<ds:datastoreItem xmlns:ds="http://schemas.openxmlformats.org/officeDocument/2006/customXml" ds:itemID="{953B4D23-82FF-4812-9F4E-BB600331C634}">
+  <ds:schemaRefs>
+    <ds:schemaRef ds:uri="http://schemas.microsoft.com/sharepoint/v3/contenttype/forms"/>
+  </ds:schemaRefs>
+</ds:datastoreItem>
 </file>
 
-<file path=customXml/itemProps1.xml><?xml version="1.0" encoding="utf-8"?>
+<file path=customXml/itemProps2.xml><?xml version="1.0" encoding="utf-8"?>
 <ds:datastoreItem xmlns:ds="http://schemas.openxmlformats.org/officeDocument/2006/customXml" ds:itemID="{7DE18AF2-C1F0-4DCB-B624-E24984FCEF8F}">
   <ds:schemaRefs>
     <ds:schemaRef ds:uri="http://schemas.microsoft.com/office/2006/metadata/contentType"/>
@@ -44912,7 +44806,7 @@
 </ds:datastoreItem>
 </file>
 
-<file path=customXml/itemProps2.xml><?xml version="1.0" encoding="utf-8"?>
+<file path=customXml/itemProps3.xml><?xml version="1.0" encoding="utf-8"?>
 <ds:datastoreItem xmlns:ds="http://schemas.openxmlformats.org/officeDocument/2006/customXml" ds:itemID="{8140E5F8-1399-4596-AA73-4BD79D26AFFD}">
   <ds:schemaRefs>
     <ds:schemaRef ds:uri="http://purl.org/dc/dcmitype/"/>
@@ -44929,14 +44823,6 @@
 </ds:datastoreItem>
 </file>
 
-<file path=customXml/itemProps3.xml><?xml version="1.0" encoding="utf-8"?>
-<ds:datastoreItem xmlns:ds="http://schemas.openxmlformats.org/officeDocument/2006/customXml" ds:itemID="{953B4D23-82FF-4812-9F4E-BB600331C634}">
-  <ds:schemaRefs>
-    <ds:schemaRef ds:uri="http://schemas.microsoft.com/sharepoint/v3/contenttype/forms"/>
-  </ds:schemaRefs>
-</ds:datastoreItem>
-</file>
-
 <file path=docMetadata/LabelInfo.xml><?xml version="1.0" encoding="utf-8"?>
 <clbl:labelList xmlns:clbl="http://schemas.microsoft.com/office/2020/mipLabelMetadata">
   <clbl:label id="{2b5a89e7-01bf-42ed-9da1-669d82eec17a}" enabled="0" method="" siteId="{2b5a89e7-01bf-42ed-9da1-669d82eec17a}" removed="1"/>

--- a/questionare_output.pptx
+++ b/questionare_output.pptx
@@ -38977,7 +38977,7 @@
               <ns1:rPr lang="tr-TR" dirty="0" err="1">
                 <ns1:latin typeface="Montserrat SemiBold"/>
               </ns1:rPr>
-              <ns1:t>3Digi</ns1:t>
+              <ns1:t>test</ns1:t>
             </ns1:r>
             <ns1:r>
               <ns1:rPr lang="en-US" dirty="0">
@@ -40433,7 +40433,7 @@
                   <ns1:effectLst/>
                   <ns1:latin typeface="Open Sans" panose="020B0606030504020204" pitchFamily="34" charset="0"/>
                 </ns1:rPr>
-                <ns1:t>0</ns1:t>
+                <ns1:t>15,453</ns1:t>
               </ns1:r>
               <ns1:endParaRPr lang="en-GB" sz="1000" b="1" i="0" u="none" strike="noStrike" dirty="0">
                 <ns1:solidFill>
@@ -40617,7 +40617,7 @@
                   </ns1:solidFill>
                   <ns1:latin typeface="Open Sans" panose="020B0606030504020204" pitchFamily="34" charset="0"/>
                 </ns1:rPr>
-                <ns1:t>320,906</ns1:t>
+                <ns1:t>15,713</ns1:t>
               </ns1:r>
               <ns1:endParaRPr lang="en-GB" sz="1000" b="1" i="0" u="none" strike="noStrike" dirty="0">
                 <ns1:solidFill>
@@ -40977,7 +40977,7 @@
                   <ns1:effectLst/>
                   <ns1:latin typeface="Open Sans" panose="020B0606030504020204" pitchFamily="34" charset="0"/>
                 </ns1:rPr>
-                <ns1:t>7,247</ns1:t>
+                <ns1:t>5,948</ns1:t>
               </ns1:r>
               <ns1:endParaRPr lang="en-GB" sz="1000" b="1" i="0" u="none" strike="noStrike" dirty="0">
                 <ns1:solidFill>
@@ -41120,7 +41120,7 @@
                   <ns1:effectLst/>
                   <ns1:latin typeface="Open Sans" panose="020B0606030504020204" pitchFamily="34" charset="0"/>
                 </ns1:rPr>
-                <ns1:t>3,976</ns1:t>
+                <ns1:t>0</ns1:t>
               </ns1:r>
               <ns1:endParaRPr lang="en-GB" sz="1000" b="1" i="0" u="none" strike="noStrike" dirty="0">
                 <ns1:solidFill>
@@ -41840,7 +41840,7 @@
                   <ns1:effectLst/>
                   <ns1:latin typeface="Open Sans" panose="020B0606030504020204" pitchFamily="34" charset="0"/>
                 </ns1:rPr>
-                <ns1:t>332,129</ns1:t>
+                <ns1:t>37,114</ns1:t>
               </ns1:r>
               <ns1:endParaRPr lang="en-GB" sz="1000" b="0" i="0" u="none" strike="noStrike" dirty="0">
                 <ns1:solidFill>
@@ -42660,7 +42660,7 @@
                           <ns1:effectLst/>
                           <ns1:latin typeface="Calibri" panose="020F0502020204030204" pitchFamily="34" charset="0"/>
                         </ns1:rPr>
-                        <ns1:t>0</ns1:t>
+                        <ns1:t>50</ns1:t>
                       </ns1:r>
                       <ns1:r>
                         <ns1:rPr lang="en-GB" sz="1400" b="1" i="0" u="none" strike="noStrike" dirty="0">
@@ -42874,7 +42874,7 @@
                           <ns1:effectLst/>
                           <ns1:latin typeface="Calibri" panose="020F0502020204030204" pitchFamily="34" charset="0"/>
                         </ns1:rPr>
-                        <ns1:t>60</ns1:t>
+                        <ns1:t>67</ns1:t>
                       </ns1:r>
                       <ns1:r>
                         <ns1:rPr lang="en-GB" sz="1400" b="1" i="0" u="none" strike="noStrike" dirty="0">
@@ -43088,7 +43088,7 @@
                           <ns1:effectLst/>
                           <ns1:latin typeface="Calibri" panose="020F0502020204030204" pitchFamily="34" charset="0"/>
                         </ns1:rPr>
-                        <ns1:t>67</ns1:t>
+                        <ns1:t>50</ns1:t>
                       </ns1:r>
                       <ns1:r>
                         <ns1:rPr lang="tr-TR" sz="1400" b="1" i="0" u="none" strike="noStrike" dirty="0">
@@ -43667,7 +43667,7 @@
                 <ns1:effectLst/>
                 <ns1:latin typeface="Open Sans" panose="020B0606030504020204" pitchFamily="34" charset="0"/>
               </ns1:rPr>
-              <ns1:t>3 months after go live, 6 months after go live</ns1:t>
+              <ns1:t>Prior to implementation, 6 months after go live</ns1:t>
             </ns1:r>
             <ns1:endParaRPr lang="en-GB" sz="1050" dirty="0">
               <ns1:solidFill>

--- a/questionare_output.pptx
+++ b/questionare_output.pptx
@@ -455,34 +455,34 @@
               <c:formatCode>"£"#,##0</c:formatCode>
               <c:ptCount val="10"/>
               <c:pt idx="0">
-                <c:v>154461</c:v>
+                <c:v/>
               </c:pt>
               <c:pt idx="1">
                 <c:v>15453</c:v>
               </c:pt>
               <c:pt idx="2">
-                <c:v>26400</c:v>
+                <c:v/>
               </c:pt>
               <c:pt idx="3">
-                <c:v>3853</c:v>
+                <c:v>15948</c:v>
               </c:pt>
               <c:pt idx="4">
-                <c:v>3017</c:v>
+                <c:v/>
               </c:pt>
               <c:pt idx="5">
-                <c:v>925349</c:v>
+                <c:v/>
               </c:pt>
               <c:pt idx="6">
-                <c:v>14344</c:v>
+                <c:v>15713</c:v>
               </c:pt>
               <c:pt idx="7">
-                <c:v>454393</c:v>
+                <c:v/>
               </c:pt>
               <c:pt idx="8">
-                <c:v>1210</c:v>
+                <c:v/>
               </c:pt>
               <c:pt idx="9">
-                <c:v>1223748</c:v>
+                <c:v/>
               </c:pt>
             </c:numLit>
           </c:val>
